--- a/Non-Python Stats Stuff/Slides/Logistic Regression.pptx
+++ b/Non-Python Stats Stuff/Slides/Logistic Regression.pptx
@@ -28,6 +28,7 @@
     <p:sldId id="273" r:id="rId24"/>
     <p:sldId id="274" r:id="rId25"/>
     <p:sldId id="275" r:id="rId26"/>
+    <p:sldId id="276" r:id="rId27"/>
   </p:sldIdLst>
   <p:sldSz cy="5143500" cx="9144000"/>
   <p:notesSz cx="6858000" cy="9144000"/>
@@ -1021,7 +1022,7 @@
       </p:grpSpPr>
       <p:sp>
         <p:nvSpPr>
-          <p:cNvPr id="125" name="Google Shape;125;g26332a8ec80_0_18:notes"/>
+          <p:cNvPr id="125" name="Google Shape;125;g2a382f0b0bd_0_2:notes"/>
           <p:cNvSpPr/>
           <p:nvPr>
             <p:ph idx="2" type="sldImg"/>
@@ -1056,7 +1057,7 @@
       </p:sp>
       <p:sp>
         <p:nvSpPr>
-          <p:cNvPr id="126" name="Google Shape;126;g26332a8ec80_0_18:notes"/>
+          <p:cNvPr id="126" name="Google Shape;126;g2a382f0b0bd_0_2:notes"/>
           <p:cNvSpPr txBox="1"/>
           <p:nvPr>
             <p:ph idx="1" type="body"/>
@@ -1106,7 +1107,7 @@
   <p:cSld>
     <p:spTree>
       <p:nvGrpSpPr>
-        <p:cNvPr id="131" name="Shape 131"/>
+        <p:cNvPr id="132" name="Shape 132"/>
         <p:cNvGrpSpPr/>
         <p:nvPr/>
       </p:nvGrpSpPr>
@@ -1120,7 +1121,7 @@
       </p:grpSpPr>
       <p:sp>
         <p:nvSpPr>
-          <p:cNvPr id="132" name="Google Shape;132;g2a382f0b0bd_0_2:notes"/>
+          <p:cNvPr id="133" name="Google Shape;133;g2a382f0b0bd_0_10:notes"/>
           <p:cNvSpPr/>
           <p:nvPr>
             <p:ph idx="2" type="sldImg"/>
@@ -1155,7 +1156,7 @@
       </p:sp>
       <p:sp>
         <p:nvSpPr>
-          <p:cNvPr id="133" name="Google Shape;133;g2a382f0b0bd_0_2:notes"/>
+          <p:cNvPr id="134" name="Google Shape;134;g2a382f0b0bd_0_10:notes"/>
           <p:cNvSpPr txBox="1"/>
           <p:nvPr>
             <p:ph idx="1" type="body"/>
@@ -1205,7 +1206,7 @@
   <p:cSld>
     <p:spTree>
       <p:nvGrpSpPr>
-        <p:cNvPr id="139" name="Shape 139"/>
+        <p:cNvPr id="140" name="Shape 140"/>
         <p:cNvGrpSpPr/>
         <p:nvPr/>
       </p:nvGrpSpPr>
@@ -1219,7 +1220,7 @@
       </p:grpSpPr>
       <p:sp>
         <p:nvSpPr>
-          <p:cNvPr id="140" name="Google Shape;140;g2a382f0b0bd_0_10:notes"/>
+          <p:cNvPr id="141" name="Google Shape;141;g26332a8ec80_0_23:notes"/>
           <p:cNvSpPr/>
           <p:nvPr>
             <p:ph idx="2" type="sldImg"/>
@@ -1254,7 +1255,7 @@
       </p:sp>
       <p:sp>
         <p:nvSpPr>
-          <p:cNvPr id="141" name="Google Shape;141;g2a382f0b0bd_0_10:notes"/>
+          <p:cNvPr id="142" name="Google Shape;142;g26332a8ec80_0_23:notes"/>
           <p:cNvSpPr txBox="1"/>
           <p:nvPr>
             <p:ph idx="1" type="body"/>
@@ -1304,7 +1305,7 @@
   <p:cSld>
     <p:spTree>
       <p:nvGrpSpPr>
-        <p:cNvPr id="147" name="Shape 147"/>
+        <p:cNvPr id="148" name="Shape 148"/>
         <p:cNvGrpSpPr/>
         <p:nvPr/>
       </p:nvGrpSpPr>
@@ -1318,7 +1319,7 @@
       </p:grpSpPr>
       <p:sp>
         <p:nvSpPr>
-          <p:cNvPr id="148" name="Google Shape;148;g26332a8ec80_0_23:notes"/>
+          <p:cNvPr id="149" name="Google Shape;149;g2a382f0b0bd_0_20:notes"/>
           <p:cNvSpPr/>
           <p:nvPr>
             <p:ph idx="2" type="sldImg"/>
@@ -1353,7 +1354,7 @@
       </p:sp>
       <p:sp>
         <p:nvSpPr>
-          <p:cNvPr id="149" name="Google Shape;149;g26332a8ec80_0_23:notes"/>
+          <p:cNvPr id="150" name="Google Shape;150;g2a382f0b0bd_0_20:notes"/>
           <p:cNvSpPr txBox="1"/>
           <p:nvPr>
             <p:ph idx="1" type="body"/>
@@ -1417,7 +1418,7 @@
       </p:grpSpPr>
       <p:sp>
         <p:nvSpPr>
-          <p:cNvPr id="156" name="Google Shape;156;g2a382f0b0bd_0_20:notes"/>
+          <p:cNvPr id="156" name="Google Shape;156;g26332a8ec80_0_0:notes"/>
           <p:cNvSpPr/>
           <p:nvPr>
             <p:ph idx="2" type="sldImg"/>
@@ -1452,7 +1453,7 @@
       </p:sp>
       <p:sp>
         <p:nvSpPr>
-          <p:cNvPr id="157" name="Google Shape;157;g2a382f0b0bd_0_20:notes"/>
+          <p:cNvPr id="157" name="Google Shape;157;g26332a8ec80_0_0:notes"/>
           <p:cNvSpPr txBox="1"/>
           <p:nvPr>
             <p:ph idx="1" type="body"/>
@@ -1502,7 +1503,7 @@
   <p:cSld>
     <p:spTree>
       <p:nvGrpSpPr>
-        <p:cNvPr id="162" name="Shape 162"/>
+        <p:cNvPr id="161" name="Shape 161"/>
         <p:cNvGrpSpPr/>
         <p:nvPr/>
       </p:nvGrpSpPr>
@@ -1516,7 +1517,7 @@
       </p:grpSpPr>
       <p:sp>
         <p:nvSpPr>
-          <p:cNvPr id="163" name="Google Shape;163;g26332a8ec80_0_0:notes"/>
+          <p:cNvPr id="162" name="Google Shape;162;g26332a8ec80_0_18:notes"/>
           <p:cNvSpPr/>
           <p:nvPr>
             <p:ph idx="2" type="sldImg"/>
@@ -1551,7 +1552,7 @@
       </p:sp>
       <p:sp>
         <p:nvSpPr>
-          <p:cNvPr id="164" name="Google Shape;164;g26332a8ec80_0_0:notes"/>
+          <p:cNvPr id="163" name="Google Shape;163;g26332a8ec80_0_18:notes"/>
           <p:cNvSpPr txBox="1"/>
           <p:nvPr>
             <p:ph idx="1" type="body"/>
@@ -1948,6 +1949,105 @@
       <p:sp>
         <p:nvSpPr>
           <p:cNvPr id="183" name="Google Shape;183;g26332a8ec80_0_30:notes"/>
+          <p:cNvSpPr txBox="1"/>
+          <p:nvPr>
+            <p:ph idx="1" type="body"/>
+          </p:nvPr>
+        </p:nvSpPr>
+        <p:spPr>
+          <a:xfrm>
+            <a:off x="685800" y="4343400"/>
+            <a:ext cx="5486400" cy="4114800"/>
+          </a:xfrm>
+          <a:prstGeom prst="rect">
+            <a:avLst/>
+          </a:prstGeom>
+        </p:spPr>
+        <p:txBody>
+          <a:bodyPr anchorCtr="0" anchor="t" bIns="91425" lIns="91425" spcFirstLastPara="1" rIns="91425" wrap="square" tIns="91425">
+            <a:noAutofit/>
+          </a:bodyPr>
+          <a:lstStyle/>
+          <a:p>
+            <a:pPr indent="0" lvl="0" marL="0" rtl="0" algn="l">
+              <a:spcBef>
+                <a:spcPts val="0"/>
+              </a:spcBef>
+              <a:spcAft>
+                <a:spcPts val="0"/>
+              </a:spcAft>
+              <a:buNone/>
+            </a:pPr>
+            <a:r>
+              <a:t/>
+            </a:r>
+            <a:endParaRPr/>
+          </a:p>
+        </p:txBody>
+      </p:sp>
+    </p:spTree>
+  </p:cSld>
+  <p:clrMapOvr>
+    <a:masterClrMapping/>
+  </p:clrMapOvr>
+</p:notes>
+</file>
+
+<file path=ppt/notesSlides/notesSlide21.xml><?xml version="1.0" encoding="utf-8"?>
+<p:notes xmlns:a="http://schemas.openxmlformats.org/drawingml/2006/main" xmlns:r="http://schemas.openxmlformats.org/officeDocument/2006/relationships" xmlns:mc="http://schemas.openxmlformats.org/markup-compatibility/2006" xmlns:mv="urn:schemas-microsoft-com:mac:vml" xmlns:p="http://schemas.openxmlformats.org/presentationml/2006/main" xmlns:c="http://schemas.openxmlformats.org/drawingml/2006/chart" xmlns:dgm="http://schemas.openxmlformats.org/drawingml/2006/diagram" xmlns:o="urn:schemas-microsoft-com:office:office" xmlns:v="urn:schemas-microsoft-com:vml" xmlns:pvml="urn:schemas-microsoft-com:office:powerpoint" xmlns:com="http://schemas.openxmlformats.org/drawingml/2006/compatibility" xmlns:p14="http://schemas.microsoft.com/office/powerpoint/2010/main" xmlns:p15="http://schemas.microsoft.com/office/powerpoint/2012/main" xmlns:ahyp="http://schemas.microsoft.com/office/drawing/2018/hyperlinkcolor" showMasterPhAnim="0" showMasterSp="0">
+  <p:cSld>
+    <p:spTree>
+      <p:nvGrpSpPr>
+        <p:cNvPr id="189" name="Shape 189"/>
+        <p:cNvGrpSpPr/>
+        <p:nvPr/>
+      </p:nvGrpSpPr>
+      <p:grpSpPr>
+        <a:xfrm>
+          <a:off x="0" y="0"/>
+          <a:ext cx="0" cy="0"/>
+          <a:chOff x="0" y="0"/>
+          <a:chExt cx="0" cy="0"/>
+        </a:xfrm>
+      </p:grpSpPr>
+      <p:sp>
+        <p:nvSpPr>
+          <p:cNvPr id="190" name="Google Shape;190;g2bf79016a3b_0_0:notes"/>
+          <p:cNvSpPr/>
+          <p:nvPr>
+            <p:ph idx="2" type="sldImg"/>
+          </p:nvPr>
+        </p:nvSpPr>
+        <p:spPr>
+          <a:xfrm>
+            <a:off x="381300" y="685800"/>
+            <a:ext cx="6096000" cy="3429000"/>
+          </a:xfrm>
+          <a:custGeom>
+            <a:rect b="b" l="l" r="r" t="t"/>
+            <a:pathLst>
+              <a:path extrusionOk="0" h="120000" w="120000">
+                <a:moveTo>
+                  <a:pt x="0" y="0"/>
+                </a:moveTo>
+                <a:lnTo>
+                  <a:pt x="120000" y="0"/>
+                </a:lnTo>
+                <a:lnTo>
+                  <a:pt x="120000" y="120000"/>
+                </a:lnTo>
+                <a:lnTo>
+                  <a:pt x="0" y="120000"/>
+                </a:lnTo>
+                <a:close/>
+              </a:path>
+            </a:pathLst>
+          </a:custGeom>
+        </p:spPr>
+      </p:sp>
+      <p:sp>
+        <p:nvSpPr>
+          <p:cNvPr id="191" name="Google Shape;191;g2bf79016a3b_0_0:notes"/>
           <p:cNvSpPr txBox="1"/>
           <p:nvPr>
             <p:ph idx="1" type="body"/>
@@ -7658,7 +7758,7 @@
             </a:pPr>
             <a:r>
               <a:rPr lang="en"/>
-              <a:t>Is bound between 0 and 1, with higher values indicating a better ffit</a:t>
+              <a:t>Is bound between 0 and 1, with higher values indicating a better fit</a:t>
             </a:r>
             <a:endParaRPr/>
           </a:p>
@@ -8840,7 +8940,7 @@
             </a:pPr>
             <a:r>
               <a:rPr lang="en"/>
-              <a:t>Hypothesis Testing / Statistical Significance </a:t>
+              <a:t>Interpreting Logit Results - Marginal Effects</a:t>
             </a:r>
             <a:endParaRPr/>
           </a:p>
@@ -8857,7 +8957,7 @@
         <p:spPr>
           <a:xfrm>
             <a:off x="311700" y="1152475"/>
-            <a:ext cx="4102800" cy="3416400"/>
+            <a:ext cx="4140300" cy="3416400"/>
           </a:xfrm>
           <a:prstGeom prst="rect">
             <a:avLst/>
@@ -8865,7 +8965,7 @@
         </p:spPr>
         <p:txBody>
           <a:bodyPr anchorCtr="0" anchor="t" bIns="91425" lIns="91425" spcFirstLastPara="1" rIns="91425" wrap="square" tIns="91425">
-            <a:normAutofit fontScale="92500" lnSpcReduction="20000"/>
+            <a:normAutofit fontScale="77500" lnSpcReduction="20000"/>
           </a:bodyPr>
           <a:lstStyle/>
           <a:p>
@@ -8879,8 +8979,12 @@
               <a:buNone/>
             </a:pPr>
             <a:r>
+              <a:rPr b="1" lang="en"/>
+              <a:t>Marginal Effects</a:t>
+            </a:r>
+            <a:r>
               <a:rPr lang="en"/>
-              <a:t>Z = Coefficient (- H0) / Standard Error </a:t>
+              <a:t>: The average change in the probability of Y=1 associated with a single unit increase in X, when all other variables are set to their mean values</a:t>
             </a:r>
             <a:endParaRPr/>
           </a:p>
@@ -8896,7 +9000,15 @@
             </a:pPr>
             <a:r>
               <a:rPr lang="en"/>
-              <a:t>(…or does it?)</a:t>
+              <a:t>For each additional year of life, the </a:t>
+            </a:r>
+            <a:r>
+              <a:rPr lang="en"/>
+              <a:t>probability</a:t>
+            </a:r>
+            <a:r>
+              <a:rPr lang="en"/>
+              <a:t> of purchasing increases by 1.03 percent</a:t>
             </a:r>
             <a:endParaRPr/>
           </a:p>
@@ -8912,7 +9024,23 @@
             </a:pPr>
             <a:r>
               <a:rPr lang="en"/>
-              <a:t>Find CV from Z table for a selected level of alpha</a:t>
+              <a:t>For each additional past purchase, the probability of </a:t>
+            </a:r>
+            <a:r>
+              <a:rPr lang="en"/>
+              <a:t>purchasing</a:t>
+            </a:r>
+            <a:r>
+              <a:rPr lang="en"/>
+              <a:t> </a:t>
+            </a:r>
+            <a:r>
+              <a:rPr lang="en"/>
+              <a:t>increases</a:t>
+            </a:r>
+            <a:r>
+              <a:rPr lang="en"/>
+              <a:t> by 17%</a:t>
             </a:r>
             <a:endParaRPr/>
           </a:p>
@@ -8928,38 +9056,7 @@
             </a:pPr>
             <a:r>
               <a:rPr lang="en"/>
-              <a:t>If abs(Z) &gt; abs(CV), reject the null hypothesis</a:t>
-            </a:r>
-            <a:endParaRPr/>
-          </a:p>
-          <a:p>
-            <a:pPr indent="0" lvl="0" marL="0" rtl="0" algn="l">
-              <a:spcBef>
-                <a:spcPts val="1200"/>
-              </a:spcBef>
-              <a:spcAft>
-                <a:spcPts val="0"/>
-              </a:spcAft>
-              <a:buNone/>
-            </a:pPr>
-            <a:r>
-              <a:t/>
-            </a:r>
-            <a:endParaRPr/>
-          </a:p>
-          <a:p>
-            <a:pPr indent="0" lvl="0" marL="0" rtl="0" algn="l">
-              <a:spcBef>
-                <a:spcPts val="1200"/>
-              </a:spcBef>
-              <a:spcAft>
-                <a:spcPts val="0"/>
-              </a:spcAft>
-              <a:buNone/>
-            </a:pPr>
-            <a:r>
-              <a:rPr lang="en"/>
-              <a:t>Or, if p &lt; alpha, reject the null hypothesis</a:t>
+              <a:t>Marginal effects are much more useful and can be calculated by Python, R, and most other stats software.</a:t>
             </a:r>
             <a:endParaRPr/>
           </a:p>
@@ -8986,8 +9083,35 @@
           <p:cNvPicPr preferRelativeResize="0"/>
           <p:nvPr/>
         </p:nvPicPr>
+        <p:blipFill rotWithShape="1">
+          <a:blip r:embed="rId3">
+            <a:alphaModFix/>
+          </a:blip>
+          <a:srcRect b="0" l="0" r="0" t="57910"/>
+          <a:stretch/>
+        </p:blipFill>
+        <p:spPr>
+          <a:xfrm>
+            <a:off x="4974000" y="1017724"/>
+            <a:ext cx="3442799" cy="1300251"/>
+          </a:xfrm>
+          <a:prstGeom prst="rect">
+            <a:avLst/>
+          </a:prstGeom>
+          <a:noFill/>
+          <a:ln>
+            <a:noFill/>
+          </a:ln>
+        </p:spPr>
+      </p:pic>
+      <p:pic>
+        <p:nvPicPr>
+          <p:cNvPr id="131" name="Google Shape;131;p24"/>
+          <p:cNvPicPr preferRelativeResize="0"/>
+          <p:nvPr/>
+        </p:nvPicPr>
         <p:blipFill>
-          <a:blip r:embed="rId3">
+          <a:blip r:embed="rId4">
             <a:alphaModFix/>
           </a:blip>
           <a:stretch>
@@ -8996,8 +9120,8 @@
         </p:blipFill>
         <p:spPr>
           <a:xfrm>
-            <a:off x="4729550" y="1833177"/>
-            <a:ext cx="4102751" cy="1264900"/>
+            <a:off x="4572000" y="2733125"/>
+            <a:ext cx="4387200" cy="1926088"/>
           </a:xfrm>
           <a:prstGeom prst="rect">
             <a:avLst/>
@@ -9266,104 +9390,6 @@
                       </p:childTnLst>
                     </p:cTn>
                   </p:par>
-                  <p:par>
-                    <p:cTn fill="hold">
-                      <p:stCondLst>
-                        <p:cond delay="indefinite"/>
-                      </p:stCondLst>
-                      <p:childTnLst>
-                        <p:par>
-                          <p:cTn fill="hold">
-                            <p:stCondLst>
-                              <p:cond delay="0"/>
-                            </p:stCondLst>
-                            <p:childTnLst>
-                              <p:par>
-                                <p:cTn fill="hold" nodeType="clickEffect" presetClass="entr" presetID="1" presetSubtype="0">
-                                  <p:stCondLst>
-                                    <p:cond delay="0"/>
-                                  </p:stCondLst>
-                                  <p:childTnLst>
-                                    <p:set>
-                                      <p:cBhvr>
-                                        <p:cTn dur="1" fill="hold">
-                                          <p:stCondLst>
-                                            <p:cond delay="0"/>
-                                          </p:stCondLst>
-                                        </p:cTn>
-                                        <p:tgtEl>
-                                          <p:spTgt spid="129">
-                                            <p:txEl>
-                                              <p:pRg end="5" st="5"/>
-                                            </p:txEl>
-                                          </p:spTgt>
-                                        </p:tgtEl>
-                                        <p:attrNameLst>
-                                          <p:attrName>style.visibility</p:attrName>
-                                        </p:attrNameLst>
-                                      </p:cBhvr>
-                                      <p:to>
-                                        <p:strVal val="visible"/>
-                                      </p:to>
-                                    </p:set>
-                                  </p:childTnLst>
-                                </p:cTn>
-                              </p:par>
-                            </p:childTnLst>
-                          </p:cTn>
-                        </p:par>
-                      </p:childTnLst>
-                    </p:cTn>
-                  </p:par>
-                  <p:par>
-                    <p:cTn fill="hold">
-                      <p:stCondLst>
-                        <p:cond delay="indefinite"/>
-                      </p:stCondLst>
-                      <p:childTnLst>
-                        <p:par>
-                          <p:cTn fill="hold">
-                            <p:stCondLst>
-                              <p:cond delay="0"/>
-                            </p:stCondLst>
-                            <p:childTnLst>
-                              <p:par>
-                                <p:cTn fill="hold" nodeType="clickEffect" presetClass="entr" presetID="1" presetSubtype="0">
-                                  <p:stCondLst>
-                                    <p:cond delay="0"/>
-                                  </p:stCondLst>
-                                  <p:childTnLst>
-                                    <p:set>
-                                      <p:cBhvr>
-                                        <p:cTn dur="1" fill="hold">
-                                          <p:stCondLst>
-                                            <p:cond delay="0"/>
-                                          </p:stCondLst>
-                                        </p:cTn>
-                                        <p:tgtEl>
-                                          <p:spTgt spid="129">
-                                            <p:txEl>
-                                              <p:pRg end="6" st="6"/>
-                                            </p:txEl>
-                                          </p:spTgt>
-                                        </p:tgtEl>
-                                        <p:attrNameLst>
-                                          <p:attrName>style.visibility</p:attrName>
-                                        </p:attrNameLst>
-                                      </p:cBhvr>
-                                      <p:to>
-                                        <p:strVal val="visible"/>
-                                      </p:to>
-                                    </p:set>
-                                  </p:childTnLst>
-                                </p:cTn>
-                              </p:par>
-                            </p:childTnLst>
-                          </p:cTn>
-                        </p:par>
-                      </p:childTnLst>
-                    </p:cTn>
-                  </p:par>
                 </p:childTnLst>
               </p:cTn>
               <p:prevCondLst>
@@ -9394,7 +9420,7 @@
   <p:cSld>
     <p:spTree>
       <p:nvGrpSpPr>
-        <p:cNvPr id="134" name="Shape 134"/>
+        <p:cNvPr id="135" name="Shape 135"/>
         <p:cNvGrpSpPr/>
         <p:nvPr/>
       </p:nvGrpSpPr>
@@ -9408,7 +9434,7 @@
       </p:grpSpPr>
       <p:sp>
         <p:nvSpPr>
-          <p:cNvPr id="135" name="Google Shape;135;p25"/>
+          <p:cNvPr id="136" name="Google Shape;136;p25"/>
           <p:cNvSpPr txBox="1"/>
           <p:nvPr>
             <p:ph type="title"/>
@@ -9440,7 +9466,7 @@
             </a:pPr>
             <a:r>
               <a:rPr lang="en"/>
-              <a:t>Interpreting Logit Results - Marginal Effects</a:t>
+              <a:t>Interpreting Logit Results - Elasticity</a:t>
             </a:r>
             <a:endParaRPr/>
           </a:p>
@@ -9448,7 +9474,7 @@
       </p:sp>
       <p:sp>
         <p:nvSpPr>
-          <p:cNvPr id="136" name="Google Shape;136;p25"/>
+          <p:cNvPr id="137" name="Google Shape;137;p25"/>
           <p:cNvSpPr txBox="1"/>
           <p:nvPr>
             <p:ph idx="1" type="body"/>
@@ -9465,7 +9491,7 @@
         </p:spPr>
         <p:txBody>
           <a:bodyPr anchorCtr="0" anchor="t" bIns="91425" lIns="91425" spcFirstLastPara="1" rIns="91425" wrap="square" tIns="91425">
-            <a:normAutofit fontScale="77500" lnSpcReduction="20000"/>
+            <a:normAutofit fontScale="92500" lnSpcReduction="20000"/>
           </a:bodyPr>
           <a:lstStyle/>
           <a:p>
@@ -9480,11 +9506,11 @@
             </a:pPr>
             <a:r>
               <a:rPr b="1" lang="en"/>
-              <a:t>Marginal Effects</a:t>
+              <a:t>Elasticity</a:t>
             </a:r>
             <a:r>
               <a:rPr lang="en"/>
-              <a:t>: The average change in the probability of Y=1 associated with a single unit increase in X, when all other variables are set to their mean values</a:t>
+              <a:t>: The change in the probability of Y=1 associated with a 1% increase in X</a:t>
             </a:r>
             <a:endParaRPr/>
           </a:p>
@@ -9500,15 +9526,7 @@
             </a:pPr>
             <a:r>
               <a:rPr lang="en"/>
-              <a:t>For each additional year of life, the </a:t>
-            </a:r>
-            <a:r>
-              <a:rPr lang="en"/>
-              <a:t>probability</a:t>
-            </a:r>
-            <a:r>
-              <a:rPr lang="en"/>
-              <a:t> of purchasing increases by 1.03 percent</a:t>
+              <a:t>A 1% increase in age corresponds to a 67% increase in the probability of purchasing </a:t>
             </a:r>
             <a:endParaRPr/>
           </a:p>
@@ -9524,23 +9542,7 @@
             </a:pPr>
             <a:r>
               <a:rPr lang="en"/>
-              <a:t>For each additional past purchase, the probability of </a:t>
-            </a:r>
-            <a:r>
-              <a:rPr lang="en"/>
-              <a:t>purchasing</a:t>
-            </a:r>
-            <a:r>
-              <a:rPr lang="en"/>
-              <a:t> </a:t>
-            </a:r>
-            <a:r>
-              <a:rPr lang="en"/>
-              <a:t>increases</a:t>
-            </a:r>
-            <a:r>
-              <a:rPr lang="en"/>
-              <a:t> by 17%</a:t>
+              <a:t>For each additional percent increase in past purchases, the probability of purchasing increases by 51.37%</a:t>
             </a:r>
             <a:endParaRPr/>
           </a:p>
@@ -9555,8 +9557,7 @@
               <a:buNone/>
             </a:pPr>
             <a:r>
-              <a:rPr lang="en"/>
-              <a:t>Marginal effects are much more useful and can be calculated by Python, R, and most other stats software.</a:t>
+              <a:t/>
             </a:r>
             <a:endParaRPr/>
           </a:p>
@@ -9579,7 +9580,7 @@
       </p:sp>
       <p:pic>
         <p:nvPicPr>
-          <p:cNvPr id="137" name="Google Shape;137;p25"/>
+          <p:cNvPr id="138" name="Google Shape;138;p25"/>
           <p:cNvPicPr preferRelativeResize="0"/>
           <p:nvPr/>
         </p:nvPicPr>
@@ -9606,508 +9607,7 @@
       </p:pic>
       <p:pic>
         <p:nvPicPr>
-          <p:cNvPr id="138" name="Google Shape;138;p25"/>
-          <p:cNvPicPr preferRelativeResize="0"/>
-          <p:nvPr/>
-        </p:nvPicPr>
-        <p:blipFill>
-          <a:blip r:embed="rId4">
-            <a:alphaModFix/>
-          </a:blip>
-          <a:stretch>
-            <a:fillRect/>
-          </a:stretch>
-        </p:blipFill>
-        <p:spPr>
-          <a:xfrm>
-            <a:off x="4572000" y="2733125"/>
-            <a:ext cx="4387200" cy="1926088"/>
-          </a:xfrm>
-          <a:prstGeom prst="rect">
-            <a:avLst/>
-          </a:prstGeom>
-          <a:noFill/>
-          <a:ln>
-            <a:noFill/>
-          </a:ln>
-        </p:spPr>
-      </p:pic>
-    </p:spTree>
-  </p:cSld>
-  <p:clrMapOvr>
-    <a:masterClrMapping/>
-  </p:clrMapOvr>
-  <p:timing>
-    <p:tnLst>
-      <p:par>
-        <p:cTn dur="indefinite" nodeType="tmRoot" restart="never">
-          <p:childTnLst>
-            <p:seq concurrent="1" nextAc="seek">
-              <p:cTn dur="indefinite" id="2" nodeType="mainSeq">
-                <p:childTnLst>
-                  <p:par>
-                    <p:cTn fill="hold">
-                      <p:stCondLst>
-                        <p:cond delay="indefinite"/>
-                      </p:stCondLst>
-                      <p:childTnLst>
-                        <p:par>
-                          <p:cTn fill="hold">
-                            <p:stCondLst>
-                              <p:cond delay="0"/>
-                            </p:stCondLst>
-                            <p:childTnLst>
-                              <p:par>
-                                <p:cTn fill="hold" nodeType="clickEffect" presetClass="entr" presetID="1" presetSubtype="0">
-                                  <p:stCondLst>
-                                    <p:cond delay="0"/>
-                                  </p:stCondLst>
-                                  <p:childTnLst>
-                                    <p:set>
-                                      <p:cBhvr>
-                                        <p:cTn dur="1" fill="hold">
-                                          <p:stCondLst>
-                                            <p:cond delay="0"/>
-                                          </p:stCondLst>
-                                        </p:cTn>
-                                        <p:tgtEl>
-                                          <p:spTgt spid="136">
-                                            <p:txEl>
-                                              <p:pRg end="0" st="0"/>
-                                            </p:txEl>
-                                          </p:spTgt>
-                                        </p:tgtEl>
-                                        <p:attrNameLst>
-                                          <p:attrName>style.visibility</p:attrName>
-                                        </p:attrNameLst>
-                                      </p:cBhvr>
-                                      <p:to>
-                                        <p:strVal val="visible"/>
-                                      </p:to>
-                                    </p:set>
-                                  </p:childTnLst>
-                                </p:cTn>
-                              </p:par>
-                            </p:childTnLst>
-                          </p:cTn>
-                        </p:par>
-                      </p:childTnLst>
-                    </p:cTn>
-                  </p:par>
-                  <p:par>
-                    <p:cTn fill="hold">
-                      <p:stCondLst>
-                        <p:cond delay="indefinite"/>
-                      </p:stCondLst>
-                      <p:childTnLst>
-                        <p:par>
-                          <p:cTn fill="hold">
-                            <p:stCondLst>
-                              <p:cond delay="0"/>
-                            </p:stCondLst>
-                            <p:childTnLst>
-                              <p:par>
-                                <p:cTn fill="hold" nodeType="clickEffect" presetClass="entr" presetID="1" presetSubtype="0">
-                                  <p:stCondLst>
-                                    <p:cond delay="0"/>
-                                  </p:stCondLst>
-                                  <p:childTnLst>
-                                    <p:set>
-                                      <p:cBhvr>
-                                        <p:cTn dur="1" fill="hold">
-                                          <p:stCondLst>
-                                            <p:cond delay="0"/>
-                                          </p:stCondLst>
-                                        </p:cTn>
-                                        <p:tgtEl>
-                                          <p:spTgt spid="136">
-                                            <p:txEl>
-                                              <p:pRg end="1" st="1"/>
-                                            </p:txEl>
-                                          </p:spTgt>
-                                        </p:tgtEl>
-                                        <p:attrNameLst>
-                                          <p:attrName>style.visibility</p:attrName>
-                                        </p:attrNameLst>
-                                      </p:cBhvr>
-                                      <p:to>
-                                        <p:strVal val="visible"/>
-                                      </p:to>
-                                    </p:set>
-                                  </p:childTnLst>
-                                </p:cTn>
-                              </p:par>
-                            </p:childTnLst>
-                          </p:cTn>
-                        </p:par>
-                      </p:childTnLst>
-                    </p:cTn>
-                  </p:par>
-                  <p:par>
-                    <p:cTn fill="hold">
-                      <p:stCondLst>
-                        <p:cond delay="indefinite"/>
-                      </p:stCondLst>
-                      <p:childTnLst>
-                        <p:par>
-                          <p:cTn fill="hold">
-                            <p:stCondLst>
-                              <p:cond delay="0"/>
-                            </p:stCondLst>
-                            <p:childTnLst>
-                              <p:par>
-                                <p:cTn fill="hold" nodeType="clickEffect" presetClass="entr" presetID="1" presetSubtype="0">
-                                  <p:stCondLst>
-                                    <p:cond delay="0"/>
-                                  </p:stCondLst>
-                                  <p:childTnLst>
-                                    <p:set>
-                                      <p:cBhvr>
-                                        <p:cTn dur="1" fill="hold">
-                                          <p:stCondLst>
-                                            <p:cond delay="0"/>
-                                          </p:stCondLst>
-                                        </p:cTn>
-                                        <p:tgtEl>
-                                          <p:spTgt spid="136">
-                                            <p:txEl>
-                                              <p:pRg end="2" st="2"/>
-                                            </p:txEl>
-                                          </p:spTgt>
-                                        </p:tgtEl>
-                                        <p:attrNameLst>
-                                          <p:attrName>style.visibility</p:attrName>
-                                        </p:attrNameLst>
-                                      </p:cBhvr>
-                                      <p:to>
-                                        <p:strVal val="visible"/>
-                                      </p:to>
-                                    </p:set>
-                                  </p:childTnLst>
-                                </p:cTn>
-                              </p:par>
-                            </p:childTnLst>
-                          </p:cTn>
-                        </p:par>
-                      </p:childTnLst>
-                    </p:cTn>
-                  </p:par>
-                  <p:par>
-                    <p:cTn fill="hold">
-                      <p:stCondLst>
-                        <p:cond delay="indefinite"/>
-                      </p:stCondLst>
-                      <p:childTnLst>
-                        <p:par>
-                          <p:cTn fill="hold">
-                            <p:stCondLst>
-                              <p:cond delay="0"/>
-                            </p:stCondLst>
-                            <p:childTnLst>
-                              <p:par>
-                                <p:cTn fill="hold" nodeType="clickEffect" presetClass="entr" presetID="1" presetSubtype="0">
-                                  <p:stCondLst>
-                                    <p:cond delay="0"/>
-                                  </p:stCondLst>
-                                  <p:childTnLst>
-                                    <p:set>
-                                      <p:cBhvr>
-                                        <p:cTn dur="1" fill="hold">
-                                          <p:stCondLst>
-                                            <p:cond delay="0"/>
-                                          </p:stCondLst>
-                                        </p:cTn>
-                                        <p:tgtEl>
-                                          <p:spTgt spid="136">
-                                            <p:txEl>
-                                              <p:pRg end="3" st="3"/>
-                                            </p:txEl>
-                                          </p:spTgt>
-                                        </p:tgtEl>
-                                        <p:attrNameLst>
-                                          <p:attrName>style.visibility</p:attrName>
-                                        </p:attrNameLst>
-                                      </p:cBhvr>
-                                      <p:to>
-                                        <p:strVal val="visible"/>
-                                      </p:to>
-                                    </p:set>
-                                  </p:childTnLst>
-                                </p:cTn>
-                              </p:par>
-                            </p:childTnLst>
-                          </p:cTn>
-                        </p:par>
-                      </p:childTnLst>
-                    </p:cTn>
-                  </p:par>
-                  <p:par>
-                    <p:cTn fill="hold">
-                      <p:stCondLst>
-                        <p:cond delay="indefinite"/>
-                      </p:stCondLst>
-                      <p:childTnLst>
-                        <p:par>
-                          <p:cTn fill="hold">
-                            <p:stCondLst>
-                              <p:cond delay="0"/>
-                            </p:stCondLst>
-                            <p:childTnLst>
-                              <p:par>
-                                <p:cTn fill="hold" nodeType="clickEffect" presetClass="entr" presetID="1" presetSubtype="0">
-                                  <p:stCondLst>
-                                    <p:cond delay="0"/>
-                                  </p:stCondLst>
-                                  <p:childTnLst>
-                                    <p:set>
-                                      <p:cBhvr>
-                                        <p:cTn dur="1" fill="hold">
-                                          <p:stCondLst>
-                                            <p:cond delay="0"/>
-                                          </p:stCondLst>
-                                        </p:cTn>
-                                        <p:tgtEl>
-                                          <p:spTgt spid="136">
-                                            <p:txEl>
-                                              <p:pRg end="4" st="4"/>
-                                            </p:txEl>
-                                          </p:spTgt>
-                                        </p:tgtEl>
-                                        <p:attrNameLst>
-                                          <p:attrName>style.visibility</p:attrName>
-                                        </p:attrNameLst>
-                                      </p:cBhvr>
-                                      <p:to>
-                                        <p:strVal val="visible"/>
-                                      </p:to>
-                                    </p:set>
-                                  </p:childTnLst>
-                                </p:cTn>
-                              </p:par>
-                            </p:childTnLst>
-                          </p:cTn>
-                        </p:par>
-                      </p:childTnLst>
-                    </p:cTn>
-                  </p:par>
-                </p:childTnLst>
-              </p:cTn>
-              <p:prevCondLst>
-                <p:cond evt="onPrev">
-                  <p:tgtEl>
-                    <p:sldTgt/>
-                  </p:tgtEl>
-                </p:cond>
-              </p:prevCondLst>
-              <p:nextCondLst>
-                <p:cond evt="onNext">
-                  <p:tgtEl>
-                    <p:sldTgt/>
-                  </p:tgtEl>
-                </p:cond>
-              </p:nextCondLst>
-            </p:seq>
-          </p:childTnLst>
-        </p:cTn>
-      </p:par>
-    </p:tnLst>
-  </p:timing>
-</p:sld>
-</file>
-
-<file path=ppt/slides/slide14.xml><?xml version="1.0" encoding="utf-8"?>
-<p:sld xmlns:a="http://schemas.openxmlformats.org/drawingml/2006/main" xmlns:r="http://schemas.openxmlformats.org/officeDocument/2006/relationships" xmlns:mc="http://schemas.openxmlformats.org/markup-compatibility/2006" xmlns:mv="urn:schemas-microsoft-com:mac:vml" xmlns:p="http://schemas.openxmlformats.org/presentationml/2006/main" xmlns:c="http://schemas.openxmlformats.org/drawingml/2006/chart" xmlns:dgm="http://schemas.openxmlformats.org/drawingml/2006/diagram" xmlns:o="urn:schemas-microsoft-com:office:office" xmlns:v="urn:schemas-microsoft-com:vml" xmlns:pvml="urn:schemas-microsoft-com:office:powerpoint" xmlns:com="http://schemas.openxmlformats.org/drawingml/2006/compatibility" xmlns:p14="http://schemas.microsoft.com/office/powerpoint/2010/main" xmlns:p15="http://schemas.microsoft.com/office/powerpoint/2012/main" xmlns:ahyp="http://schemas.microsoft.com/office/drawing/2018/hyperlinkcolor">
-  <p:cSld>
-    <p:spTree>
-      <p:nvGrpSpPr>
-        <p:cNvPr id="142" name="Shape 142"/>
-        <p:cNvGrpSpPr/>
-        <p:nvPr/>
-      </p:nvGrpSpPr>
-      <p:grpSpPr>
-        <a:xfrm>
-          <a:off x="0" y="0"/>
-          <a:ext cx="0" cy="0"/>
-          <a:chOff x="0" y="0"/>
-          <a:chExt cx="0" cy="0"/>
-        </a:xfrm>
-      </p:grpSpPr>
-      <p:sp>
-        <p:nvSpPr>
-          <p:cNvPr id="143" name="Google Shape;143;p26"/>
-          <p:cNvSpPr txBox="1"/>
-          <p:nvPr>
-            <p:ph type="title"/>
-          </p:nvPr>
-        </p:nvSpPr>
-        <p:spPr>
-          <a:xfrm>
-            <a:off x="311700" y="445025"/>
-            <a:ext cx="8520600" cy="572700"/>
-          </a:xfrm>
-          <a:prstGeom prst="rect">
-            <a:avLst/>
-          </a:prstGeom>
-        </p:spPr>
-        <p:txBody>
-          <a:bodyPr anchorCtr="0" anchor="t" bIns="91425" lIns="91425" spcFirstLastPara="1" rIns="91425" wrap="square" tIns="91425">
-            <a:normAutofit fontScale="90000"/>
-          </a:bodyPr>
-          <a:lstStyle/>
-          <a:p>
-            <a:pPr indent="0" lvl="0" marL="0" rtl="0" algn="l">
-              <a:spcBef>
-                <a:spcPts val="0"/>
-              </a:spcBef>
-              <a:spcAft>
-                <a:spcPts val="0"/>
-              </a:spcAft>
-              <a:buNone/>
-            </a:pPr>
-            <a:r>
-              <a:rPr lang="en"/>
-              <a:t>Interpreting Logit Results - Elasticity</a:t>
-            </a:r>
-            <a:endParaRPr/>
-          </a:p>
-        </p:txBody>
-      </p:sp>
-      <p:sp>
-        <p:nvSpPr>
-          <p:cNvPr id="144" name="Google Shape;144;p26"/>
-          <p:cNvSpPr txBox="1"/>
-          <p:nvPr>
-            <p:ph idx="1" type="body"/>
-          </p:nvPr>
-        </p:nvSpPr>
-        <p:spPr>
-          <a:xfrm>
-            <a:off x="311700" y="1152475"/>
-            <a:ext cx="4140300" cy="3416400"/>
-          </a:xfrm>
-          <a:prstGeom prst="rect">
-            <a:avLst/>
-          </a:prstGeom>
-        </p:spPr>
-        <p:txBody>
-          <a:bodyPr anchorCtr="0" anchor="t" bIns="91425" lIns="91425" spcFirstLastPara="1" rIns="91425" wrap="square" tIns="91425">
-            <a:normAutofit fontScale="92500" lnSpcReduction="20000"/>
-          </a:bodyPr>
-          <a:lstStyle/>
-          <a:p>
-            <a:pPr indent="0" lvl="0" marL="0" rtl="0" algn="l">
-              <a:spcBef>
-                <a:spcPts val="0"/>
-              </a:spcBef>
-              <a:spcAft>
-                <a:spcPts val="0"/>
-              </a:spcAft>
-              <a:buNone/>
-            </a:pPr>
-            <a:r>
-              <a:rPr b="1" lang="en"/>
-              <a:t>Elasticity</a:t>
-            </a:r>
-            <a:r>
-              <a:rPr lang="en"/>
-              <a:t>: The change in the probability of Y=1 associated with a 1% increase in X</a:t>
-            </a:r>
-            <a:endParaRPr/>
-          </a:p>
-          <a:p>
-            <a:pPr indent="0" lvl="0" marL="0" rtl="0" algn="l">
-              <a:spcBef>
-                <a:spcPts val="1200"/>
-              </a:spcBef>
-              <a:spcAft>
-                <a:spcPts val="0"/>
-              </a:spcAft>
-              <a:buNone/>
-            </a:pPr>
-            <a:r>
-              <a:rPr lang="en"/>
-              <a:t>For each additional year of life, the probability of purchasing increases by 1.03 percent</a:t>
-            </a:r>
-            <a:endParaRPr/>
-          </a:p>
-          <a:p>
-            <a:pPr indent="0" lvl="0" marL="0" rtl="0" algn="l">
-              <a:spcBef>
-                <a:spcPts val="1200"/>
-              </a:spcBef>
-              <a:spcAft>
-                <a:spcPts val="0"/>
-              </a:spcAft>
-              <a:buNone/>
-            </a:pPr>
-            <a:r>
-              <a:rPr lang="en"/>
-              <a:t>For each additional percent increase in past purchases, the probability of purchasing increases by 51.37%</a:t>
-            </a:r>
-            <a:endParaRPr/>
-          </a:p>
-          <a:p>
-            <a:pPr indent="0" lvl="0" marL="0" rtl="0" algn="l">
-              <a:spcBef>
-                <a:spcPts val="1200"/>
-              </a:spcBef>
-              <a:spcAft>
-                <a:spcPts val="0"/>
-              </a:spcAft>
-              <a:buNone/>
-            </a:pPr>
-            <a:r>
-              <a:t/>
-            </a:r>
-            <a:endParaRPr/>
-          </a:p>
-          <a:p>
-            <a:pPr indent="0" lvl="0" marL="0" rtl="0" algn="l">
-              <a:spcBef>
-                <a:spcPts val="1200"/>
-              </a:spcBef>
-              <a:spcAft>
-                <a:spcPts val="1200"/>
-              </a:spcAft>
-              <a:buNone/>
-            </a:pPr>
-            <a:r>
-              <a:t/>
-            </a:r>
-            <a:endParaRPr/>
-          </a:p>
-        </p:txBody>
-      </p:sp>
-      <p:pic>
-        <p:nvPicPr>
-          <p:cNvPr id="145" name="Google Shape;145;p26"/>
-          <p:cNvPicPr preferRelativeResize="0"/>
-          <p:nvPr/>
-        </p:nvPicPr>
-        <p:blipFill rotWithShape="1">
-          <a:blip r:embed="rId3">
-            <a:alphaModFix/>
-          </a:blip>
-          <a:srcRect b="0" l="0" r="0" t="57910"/>
-          <a:stretch/>
-        </p:blipFill>
-        <p:spPr>
-          <a:xfrm>
-            <a:off x="4974000" y="1017724"/>
-            <a:ext cx="3442799" cy="1300251"/>
-          </a:xfrm>
-          <a:prstGeom prst="rect">
-            <a:avLst/>
-          </a:prstGeom>
-          <a:noFill/>
-          <a:ln>
-            <a:noFill/>
-          </a:ln>
-        </p:spPr>
-      </p:pic>
-      <p:pic>
-        <p:nvPicPr>
-          <p:cNvPr id="146" name="Google Shape;146;p26"/>
+          <p:cNvPr id="139" name="Google Shape;139;p25"/>
           <p:cNvPicPr preferRelativeResize="0"/>
           <p:nvPr/>
         </p:nvPicPr>
@@ -10171,7 +9671,7 @@
                                           </p:stCondLst>
                                         </p:cTn>
                                         <p:tgtEl>
-                                          <p:spTgt spid="144">
+                                          <p:spTgt spid="137">
                                             <p:txEl>
                                               <p:pRg end="0" st="0"/>
                                             </p:txEl>
@@ -10220,7 +9720,7 @@
                                           </p:stCondLst>
                                         </p:cTn>
                                         <p:tgtEl>
-                                          <p:spTgt spid="144">
+                                          <p:spTgt spid="137">
                                             <p:txEl>
                                               <p:pRg end="1" st="1"/>
                                             </p:txEl>
@@ -10269,7 +9769,7 @@
                                           </p:stCondLst>
                                         </p:cTn>
                                         <p:tgtEl>
-                                          <p:spTgt spid="144">
+                                          <p:spTgt spid="137">
                                             <p:txEl>
                                               <p:pRg end="2" st="2"/>
                                             </p:txEl>
@@ -10318,7 +9818,7 @@
                                           </p:stCondLst>
                                         </p:cTn>
                                         <p:tgtEl>
-                                          <p:spTgt spid="144">
+                                          <p:spTgt spid="137">
                                             <p:txEl>
                                               <p:pRg end="3" st="3"/>
                                             </p:txEl>
@@ -10367,7 +9867,7 @@
                                           </p:stCondLst>
                                         </p:cTn>
                                         <p:tgtEl>
-                                          <p:spTgt spid="144">
+                                          <p:spTgt spid="137">
                                             <p:txEl>
                                               <p:pRg end="4" st="4"/>
                                             </p:txEl>
@@ -10415,12 +9915,12 @@
 </p:sld>
 </file>
 
-<file path=ppt/slides/slide15.xml><?xml version="1.0" encoding="utf-8"?>
+<file path=ppt/slides/slide14.xml><?xml version="1.0" encoding="utf-8"?>
 <p:sld xmlns:a="http://schemas.openxmlformats.org/drawingml/2006/main" xmlns:r="http://schemas.openxmlformats.org/officeDocument/2006/relationships" xmlns:mc="http://schemas.openxmlformats.org/markup-compatibility/2006" xmlns:mv="urn:schemas-microsoft-com:mac:vml" xmlns:p="http://schemas.openxmlformats.org/presentationml/2006/main" xmlns:c="http://schemas.openxmlformats.org/drawingml/2006/chart" xmlns:dgm="http://schemas.openxmlformats.org/drawingml/2006/diagram" xmlns:o="urn:schemas-microsoft-com:office:office" xmlns:v="urn:schemas-microsoft-com:vml" xmlns:pvml="urn:schemas-microsoft-com:office:powerpoint" xmlns:com="http://schemas.openxmlformats.org/drawingml/2006/compatibility" xmlns:p14="http://schemas.microsoft.com/office/powerpoint/2010/main" xmlns:p15="http://schemas.microsoft.com/office/powerpoint/2012/main" xmlns:ahyp="http://schemas.microsoft.com/office/drawing/2018/hyperlinkcolor">
   <p:cSld>
     <p:spTree>
       <p:nvGrpSpPr>
-        <p:cNvPr id="150" name="Shape 150"/>
+        <p:cNvPr id="143" name="Shape 143"/>
         <p:cNvGrpSpPr/>
         <p:nvPr/>
       </p:nvGrpSpPr>
@@ -10434,7 +9934,7 @@
       </p:grpSpPr>
       <p:sp>
         <p:nvSpPr>
-          <p:cNvPr id="151" name="Google Shape;151;p27"/>
+          <p:cNvPr id="144" name="Google Shape;144;p26"/>
           <p:cNvSpPr txBox="1"/>
           <p:nvPr>
             <p:ph type="title"/>
@@ -10474,7 +9974,7 @@
       </p:sp>
       <p:sp>
         <p:nvSpPr>
-          <p:cNvPr id="152" name="Google Shape;152;p27"/>
+          <p:cNvPr id="145" name="Google Shape;145;p26"/>
           <p:cNvSpPr txBox="1"/>
           <p:nvPr>
             <p:ph idx="1" type="body"/>
@@ -10534,7 +10034,7 @@
       </p:sp>
       <p:pic>
         <p:nvPicPr>
-          <p:cNvPr id="153" name="Google Shape;153;p27"/>
+          <p:cNvPr id="146" name="Google Shape;146;p26"/>
           <p:cNvPicPr preferRelativeResize="0"/>
           <p:nvPr/>
         </p:nvPicPr>
@@ -10562,7 +10062,7 @@
       </p:pic>
       <p:pic>
         <p:nvPicPr>
-          <p:cNvPr id="154" name="Google Shape;154;p27"/>
+          <p:cNvPr id="147" name="Google Shape;147;p26"/>
           <p:cNvPicPr preferRelativeResize="0"/>
           <p:nvPr/>
         </p:nvPicPr>
@@ -10627,7 +10127,7 @@
                                           </p:stCondLst>
                                         </p:cTn>
                                         <p:tgtEl>
-                                          <p:spTgt spid="152">
+                                          <p:spTgt spid="145">
                                             <p:txEl>
                                               <p:pRg end="0" st="0"/>
                                             </p:txEl>
@@ -10676,7 +10176,7 @@
                                           </p:stCondLst>
                                         </p:cTn>
                                         <p:tgtEl>
-                                          <p:spTgt spid="152">
+                                          <p:spTgt spid="145">
                                             <p:txEl>
                                               <p:pRg end="1" st="1"/>
                                             </p:txEl>
@@ -10724,12 +10224,12 @@
 </p:sld>
 </file>
 
-<file path=ppt/slides/slide16.xml><?xml version="1.0" encoding="utf-8"?>
+<file path=ppt/slides/slide15.xml><?xml version="1.0" encoding="utf-8"?>
 <p:sld xmlns:a="http://schemas.openxmlformats.org/drawingml/2006/main" xmlns:r="http://schemas.openxmlformats.org/officeDocument/2006/relationships" xmlns:mc="http://schemas.openxmlformats.org/markup-compatibility/2006" xmlns:mv="urn:schemas-microsoft-com:mac:vml" xmlns:p="http://schemas.openxmlformats.org/presentationml/2006/main" xmlns:c="http://schemas.openxmlformats.org/drawingml/2006/chart" xmlns:dgm="http://schemas.openxmlformats.org/drawingml/2006/diagram" xmlns:o="urn:schemas-microsoft-com:office:office" xmlns:v="urn:schemas-microsoft-com:vml" xmlns:pvml="urn:schemas-microsoft-com:office:powerpoint" xmlns:com="http://schemas.openxmlformats.org/drawingml/2006/compatibility" xmlns:p14="http://schemas.microsoft.com/office/powerpoint/2010/main" xmlns:p15="http://schemas.microsoft.com/office/powerpoint/2012/main" xmlns:ahyp="http://schemas.microsoft.com/office/drawing/2018/hyperlinkcolor">
   <p:cSld>
     <p:spTree>
       <p:nvGrpSpPr>
-        <p:cNvPr id="158" name="Shape 158"/>
+        <p:cNvPr id="151" name="Shape 151"/>
         <p:cNvGrpSpPr/>
         <p:nvPr/>
       </p:nvGrpSpPr>
@@ -10743,7 +10243,7 @@
       </p:grpSpPr>
       <p:sp>
         <p:nvSpPr>
-          <p:cNvPr id="159" name="Google Shape;159;p28"/>
+          <p:cNvPr id="152" name="Google Shape;152;p27"/>
           <p:cNvSpPr txBox="1"/>
           <p:nvPr>
             <p:ph type="title"/>
@@ -10783,7 +10283,7 @@
       </p:sp>
       <p:sp>
         <p:nvSpPr>
-          <p:cNvPr id="160" name="Google Shape;160;p28"/>
+          <p:cNvPr id="153" name="Google Shape;153;p27"/>
           <p:cNvSpPr txBox="1"/>
           <p:nvPr>
             <p:ph idx="1" type="body"/>
@@ -10943,7 +10443,7 @@
       </p:sp>
       <p:graphicFrame>
         <p:nvGraphicFramePr>
-          <p:cNvPr id="161" name="Google Shape;161;p28"/>
+          <p:cNvPr id="154" name="Google Shape;154;p27"/>
           <p:cNvGraphicFramePr/>
           <p:nvPr/>
         </p:nvGraphicFramePr>
@@ -10956,7 +10456,7 @@
             <a:tbl>
               <a:tblPr>
                 <a:noFill/>
-                <a:tableStyleId>{672A076E-D298-4484-919D-19D89BF17A90}</a:tableStyleId>
+                <a:tableStyleId>{ACD02343-28EE-4729-9CA3-A3004B5C1CF3}</a:tableStyleId>
               </a:tblPr>
               <a:tblGrid>
                 <a:gridCol w="3619500"/>
@@ -11062,6 +10562,717 @@
           </a:graphicData>
         </a:graphic>
       </p:graphicFrame>
+    </p:spTree>
+  </p:cSld>
+  <p:clrMapOvr>
+    <a:masterClrMapping/>
+  </p:clrMapOvr>
+  <p:timing>
+    <p:tnLst>
+      <p:par>
+        <p:cTn dur="indefinite" nodeType="tmRoot" restart="never">
+          <p:childTnLst>
+            <p:seq concurrent="1" nextAc="seek">
+              <p:cTn dur="indefinite" id="2" nodeType="mainSeq">
+                <p:childTnLst>
+                  <p:par>
+                    <p:cTn fill="hold">
+                      <p:stCondLst>
+                        <p:cond delay="indefinite"/>
+                      </p:stCondLst>
+                      <p:childTnLst>
+                        <p:par>
+                          <p:cTn fill="hold">
+                            <p:stCondLst>
+                              <p:cond delay="0"/>
+                            </p:stCondLst>
+                            <p:childTnLst>
+                              <p:par>
+                                <p:cTn fill="hold" nodeType="clickEffect" presetClass="entr" presetID="1" presetSubtype="0">
+                                  <p:stCondLst>
+                                    <p:cond delay="0"/>
+                                  </p:stCondLst>
+                                  <p:childTnLst>
+                                    <p:set>
+                                      <p:cBhvr>
+                                        <p:cTn dur="1" fill="hold">
+                                          <p:stCondLst>
+                                            <p:cond delay="0"/>
+                                          </p:stCondLst>
+                                        </p:cTn>
+                                        <p:tgtEl>
+                                          <p:spTgt spid="153">
+                                            <p:txEl>
+                                              <p:pRg end="0" st="0"/>
+                                            </p:txEl>
+                                          </p:spTgt>
+                                        </p:tgtEl>
+                                        <p:attrNameLst>
+                                          <p:attrName>style.visibility</p:attrName>
+                                        </p:attrNameLst>
+                                      </p:cBhvr>
+                                      <p:to>
+                                        <p:strVal val="visible"/>
+                                      </p:to>
+                                    </p:set>
+                                  </p:childTnLst>
+                                </p:cTn>
+                              </p:par>
+                            </p:childTnLst>
+                          </p:cTn>
+                        </p:par>
+                      </p:childTnLst>
+                    </p:cTn>
+                  </p:par>
+                  <p:par>
+                    <p:cTn fill="hold">
+                      <p:stCondLst>
+                        <p:cond delay="indefinite"/>
+                      </p:stCondLst>
+                      <p:childTnLst>
+                        <p:par>
+                          <p:cTn fill="hold">
+                            <p:stCondLst>
+                              <p:cond delay="0"/>
+                            </p:stCondLst>
+                            <p:childTnLst>
+                              <p:par>
+                                <p:cTn fill="hold" nodeType="clickEffect" presetClass="entr" presetID="1" presetSubtype="0">
+                                  <p:stCondLst>
+                                    <p:cond delay="0"/>
+                                  </p:stCondLst>
+                                  <p:childTnLst>
+                                    <p:set>
+                                      <p:cBhvr>
+                                        <p:cTn dur="1" fill="hold">
+                                          <p:stCondLst>
+                                            <p:cond delay="0"/>
+                                          </p:stCondLst>
+                                        </p:cTn>
+                                        <p:tgtEl>
+                                          <p:spTgt spid="153">
+                                            <p:txEl>
+                                              <p:pRg end="1" st="1"/>
+                                            </p:txEl>
+                                          </p:spTgt>
+                                        </p:tgtEl>
+                                        <p:attrNameLst>
+                                          <p:attrName>style.visibility</p:attrName>
+                                        </p:attrNameLst>
+                                      </p:cBhvr>
+                                      <p:to>
+                                        <p:strVal val="visible"/>
+                                      </p:to>
+                                    </p:set>
+                                  </p:childTnLst>
+                                </p:cTn>
+                              </p:par>
+                            </p:childTnLst>
+                          </p:cTn>
+                        </p:par>
+                      </p:childTnLst>
+                    </p:cTn>
+                  </p:par>
+                  <p:par>
+                    <p:cTn fill="hold">
+                      <p:stCondLst>
+                        <p:cond delay="indefinite"/>
+                      </p:stCondLst>
+                      <p:childTnLst>
+                        <p:par>
+                          <p:cTn fill="hold">
+                            <p:stCondLst>
+                              <p:cond delay="0"/>
+                            </p:stCondLst>
+                            <p:childTnLst>
+                              <p:par>
+                                <p:cTn fill="hold" nodeType="clickEffect" presetClass="entr" presetID="1" presetSubtype="0">
+                                  <p:stCondLst>
+                                    <p:cond delay="0"/>
+                                  </p:stCondLst>
+                                  <p:childTnLst>
+                                    <p:set>
+                                      <p:cBhvr>
+                                        <p:cTn dur="1" fill="hold">
+                                          <p:stCondLst>
+                                            <p:cond delay="0"/>
+                                          </p:stCondLst>
+                                        </p:cTn>
+                                        <p:tgtEl>
+                                          <p:spTgt spid="153">
+                                            <p:txEl>
+                                              <p:pRg end="2" st="2"/>
+                                            </p:txEl>
+                                          </p:spTgt>
+                                        </p:tgtEl>
+                                        <p:attrNameLst>
+                                          <p:attrName>style.visibility</p:attrName>
+                                        </p:attrNameLst>
+                                      </p:cBhvr>
+                                      <p:to>
+                                        <p:strVal val="visible"/>
+                                      </p:to>
+                                    </p:set>
+                                  </p:childTnLst>
+                                </p:cTn>
+                              </p:par>
+                            </p:childTnLst>
+                          </p:cTn>
+                        </p:par>
+                      </p:childTnLst>
+                    </p:cTn>
+                  </p:par>
+                  <p:par>
+                    <p:cTn fill="hold">
+                      <p:stCondLst>
+                        <p:cond delay="indefinite"/>
+                      </p:stCondLst>
+                      <p:childTnLst>
+                        <p:par>
+                          <p:cTn fill="hold">
+                            <p:stCondLst>
+                              <p:cond delay="0"/>
+                            </p:stCondLst>
+                            <p:childTnLst>
+                              <p:par>
+                                <p:cTn fill="hold" nodeType="clickEffect" presetClass="entr" presetID="1" presetSubtype="0">
+                                  <p:stCondLst>
+                                    <p:cond delay="0"/>
+                                  </p:stCondLst>
+                                  <p:childTnLst>
+                                    <p:set>
+                                      <p:cBhvr>
+                                        <p:cTn dur="1" fill="hold">
+                                          <p:stCondLst>
+                                            <p:cond delay="0"/>
+                                          </p:stCondLst>
+                                        </p:cTn>
+                                        <p:tgtEl>
+                                          <p:spTgt spid="153">
+                                            <p:txEl>
+                                              <p:pRg end="3" st="3"/>
+                                            </p:txEl>
+                                          </p:spTgt>
+                                        </p:tgtEl>
+                                        <p:attrNameLst>
+                                          <p:attrName>style.visibility</p:attrName>
+                                        </p:attrNameLst>
+                                      </p:cBhvr>
+                                      <p:to>
+                                        <p:strVal val="visible"/>
+                                      </p:to>
+                                    </p:set>
+                                  </p:childTnLst>
+                                </p:cTn>
+                              </p:par>
+                            </p:childTnLst>
+                          </p:cTn>
+                        </p:par>
+                      </p:childTnLst>
+                    </p:cTn>
+                  </p:par>
+                  <p:par>
+                    <p:cTn fill="hold">
+                      <p:stCondLst>
+                        <p:cond delay="indefinite"/>
+                      </p:stCondLst>
+                      <p:childTnLst>
+                        <p:par>
+                          <p:cTn fill="hold">
+                            <p:stCondLst>
+                              <p:cond delay="0"/>
+                            </p:stCondLst>
+                            <p:childTnLst>
+                              <p:par>
+                                <p:cTn fill="hold" nodeType="clickEffect" presetClass="entr" presetID="1" presetSubtype="0">
+                                  <p:stCondLst>
+                                    <p:cond delay="0"/>
+                                  </p:stCondLst>
+                                  <p:childTnLst>
+                                    <p:set>
+                                      <p:cBhvr>
+                                        <p:cTn dur="1" fill="hold">
+                                          <p:stCondLst>
+                                            <p:cond delay="0"/>
+                                          </p:stCondLst>
+                                        </p:cTn>
+                                        <p:tgtEl>
+                                          <p:spTgt spid="153">
+                                            <p:txEl>
+                                              <p:pRg end="4" st="4"/>
+                                            </p:txEl>
+                                          </p:spTgt>
+                                        </p:tgtEl>
+                                        <p:attrNameLst>
+                                          <p:attrName>style.visibility</p:attrName>
+                                        </p:attrNameLst>
+                                      </p:cBhvr>
+                                      <p:to>
+                                        <p:strVal val="visible"/>
+                                      </p:to>
+                                    </p:set>
+                                  </p:childTnLst>
+                                </p:cTn>
+                              </p:par>
+                            </p:childTnLst>
+                          </p:cTn>
+                        </p:par>
+                      </p:childTnLst>
+                    </p:cTn>
+                  </p:par>
+                  <p:par>
+                    <p:cTn fill="hold">
+                      <p:stCondLst>
+                        <p:cond delay="indefinite"/>
+                      </p:stCondLst>
+                      <p:childTnLst>
+                        <p:par>
+                          <p:cTn fill="hold">
+                            <p:stCondLst>
+                              <p:cond delay="0"/>
+                            </p:stCondLst>
+                            <p:childTnLst>
+                              <p:par>
+                                <p:cTn fill="hold" nodeType="clickEffect" presetClass="entr" presetID="1" presetSubtype="0">
+                                  <p:stCondLst>
+                                    <p:cond delay="0"/>
+                                  </p:stCondLst>
+                                  <p:childTnLst>
+                                    <p:set>
+                                      <p:cBhvr>
+                                        <p:cTn dur="1" fill="hold">
+                                          <p:stCondLst>
+                                            <p:cond delay="0"/>
+                                          </p:stCondLst>
+                                        </p:cTn>
+                                        <p:tgtEl>
+                                          <p:spTgt spid="153">
+                                            <p:txEl>
+                                              <p:pRg end="5" st="5"/>
+                                            </p:txEl>
+                                          </p:spTgt>
+                                        </p:tgtEl>
+                                        <p:attrNameLst>
+                                          <p:attrName>style.visibility</p:attrName>
+                                        </p:attrNameLst>
+                                      </p:cBhvr>
+                                      <p:to>
+                                        <p:strVal val="visible"/>
+                                      </p:to>
+                                    </p:set>
+                                  </p:childTnLst>
+                                </p:cTn>
+                              </p:par>
+                            </p:childTnLst>
+                          </p:cTn>
+                        </p:par>
+                      </p:childTnLst>
+                    </p:cTn>
+                  </p:par>
+                  <p:par>
+                    <p:cTn fill="hold">
+                      <p:stCondLst>
+                        <p:cond delay="indefinite"/>
+                      </p:stCondLst>
+                      <p:childTnLst>
+                        <p:par>
+                          <p:cTn fill="hold">
+                            <p:stCondLst>
+                              <p:cond delay="0"/>
+                            </p:stCondLst>
+                            <p:childTnLst>
+                              <p:par>
+                                <p:cTn fill="hold" nodeType="clickEffect" presetClass="entr" presetID="1" presetSubtype="0">
+                                  <p:stCondLst>
+                                    <p:cond delay="0"/>
+                                  </p:stCondLst>
+                                  <p:childTnLst>
+                                    <p:set>
+                                      <p:cBhvr>
+                                        <p:cTn dur="1" fill="hold">
+                                          <p:stCondLst>
+                                            <p:cond delay="0"/>
+                                          </p:stCondLst>
+                                        </p:cTn>
+                                        <p:tgtEl>
+                                          <p:spTgt spid="153">
+                                            <p:txEl>
+                                              <p:pRg end="6" st="6"/>
+                                            </p:txEl>
+                                          </p:spTgt>
+                                        </p:tgtEl>
+                                        <p:attrNameLst>
+                                          <p:attrName>style.visibility</p:attrName>
+                                        </p:attrNameLst>
+                                      </p:cBhvr>
+                                      <p:to>
+                                        <p:strVal val="visible"/>
+                                      </p:to>
+                                    </p:set>
+                                  </p:childTnLst>
+                                </p:cTn>
+                              </p:par>
+                            </p:childTnLst>
+                          </p:cTn>
+                        </p:par>
+                      </p:childTnLst>
+                    </p:cTn>
+                  </p:par>
+                  <p:par>
+                    <p:cTn fill="hold">
+                      <p:stCondLst>
+                        <p:cond delay="indefinite"/>
+                      </p:stCondLst>
+                      <p:childTnLst>
+                        <p:par>
+                          <p:cTn fill="hold">
+                            <p:stCondLst>
+                              <p:cond delay="0"/>
+                            </p:stCondLst>
+                            <p:childTnLst>
+                              <p:par>
+                                <p:cTn fill="hold" nodeType="clickEffect" presetClass="entr" presetID="1" presetSubtype="0">
+                                  <p:stCondLst>
+                                    <p:cond delay="0"/>
+                                  </p:stCondLst>
+                                  <p:childTnLst>
+                                    <p:set>
+                                      <p:cBhvr>
+                                        <p:cTn dur="1" fill="hold">
+                                          <p:stCondLst>
+                                            <p:cond delay="0"/>
+                                          </p:stCondLst>
+                                        </p:cTn>
+                                        <p:tgtEl>
+                                          <p:spTgt spid="154"/>
+                                        </p:tgtEl>
+                                        <p:attrNameLst>
+                                          <p:attrName>style.visibility</p:attrName>
+                                        </p:attrNameLst>
+                                      </p:cBhvr>
+                                      <p:to>
+                                        <p:strVal val="visible"/>
+                                      </p:to>
+                                    </p:set>
+                                  </p:childTnLst>
+                                </p:cTn>
+                              </p:par>
+                            </p:childTnLst>
+                          </p:cTn>
+                        </p:par>
+                      </p:childTnLst>
+                    </p:cTn>
+                  </p:par>
+                </p:childTnLst>
+              </p:cTn>
+              <p:prevCondLst>
+                <p:cond evt="onPrev">
+                  <p:tgtEl>
+                    <p:sldTgt/>
+                  </p:tgtEl>
+                </p:cond>
+              </p:prevCondLst>
+              <p:nextCondLst>
+                <p:cond evt="onNext">
+                  <p:tgtEl>
+                    <p:sldTgt/>
+                  </p:tgtEl>
+                </p:cond>
+              </p:nextCondLst>
+            </p:seq>
+          </p:childTnLst>
+        </p:cTn>
+      </p:par>
+    </p:tnLst>
+  </p:timing>
+</p:sld>
+</file>
+
+<file path=ppt/slides/slide16.xml><?xml version="1.0" encoding="utf-8"?>
+<p:sld xmlns:a="http://schemas.openxmlformats.org/drawingml/2006/main" xmlns:r="http://schemas.openxmlformats.org/officeDocument/2006/relationships" xmlns:mc="http://schemas.openxmlformats.org/markup-compatibility/2006" xmlns:mv="urn:schemas-microsoft-com:mac:vml" xmlns:p="http://schemas.openxmlformats.org/presentationml/2006/main" xmlns:c="http://schemas.openxmlformats.org/drawingml/2006/chart" xmlns:dgm="http://schemas.openxmlformats.org/drawingml/2006/diagram" xmlns:o="urn:schemas-microsoft-com:office:office" xmlns:v="urn:schemas-microsoft-com:vml" xmlns:pvml="urn:schemas-microsoft-com:office:powerpoint" xmlns:com="http://schemas.openxmlformats.org/drawingml/2006/compatibility" xmlns:p14="http://schemas.microsoft.com/office/powerpoint/2010/main" xmlns:p15="http://schemas.microsoft.com/office/powerpoint/2012/main" xmlns:ahyp="http://schemas.microsoft.com/office/drawing/2018/hyperlinkcolor">
+  <p:cSld>
+    <p:spTree>
+      <p:nvGrpSpPr>
+        <p:cNvPr id="158" name="Shape 158"/>
+        <p:cNvGrpSpPr/>
+        <p:nvPr/>
+      </p:nvGrpSpPr>
+      <p:grpSpPr>
+        <a:xfrm>
+          <a:off x="0" y="0"/>
+          <a:ext cx="0" cy="0"/>
+          <a:chOff x="0" y="0"/>
+          <a:chExt cx="0" cy="0"/>
+        </a:xfrm>
+      </p:grpSpPr>
+      <p:sp>
+        <p:nvSpPr>
+          <p:cNvPr id="159" name="Google Shape;159;p28"/>
+          <p:cNvSpPr txBox="1"/>
+          <p:nvPr>
+            <p:ph type="title"/>
+          </p:nvPr>
+        </p:nvSpPr>
+        <p:spPr>
+          <a:xfrm>
+            <a:off x="311700" y="445025"/>
+            <a:ext cx="8520600" cy="572700"/>
+          </a:xfrm>
+          <a:prstGeom prst="rect">
+            <a:avLst/>
+          </a:prstGeom>
+        </p:spPr>
+        <p:txBody>
+          <a:bodyPr anchorCtr="0" anchor="t" bIns="91425" lIns="91425" spcFirstLastPara="1" rIns="91425" wrap="square" tIns="91425">
+            <a:normAutofit fontScale="90000"/>
+          </a:bodyPr>
+          <a:lstStyle/>
+          <a:p>
+            <a:pPr indent="0" lvl="0" marL="0" rtl="0" algn="l">
+              <a:spcBef>
+                <a:spcPts val="0"/>
+              </a:spcBef>
+              <a:spcAft>
+                <a:spcPts val="0"/>
+              </a:spcAft>
+              <a:buNone/>
+            </a:pPr>
+            <a:r>
+              <a:rPr lang="en"/>
+              <a:t>Classification Report</a:t>
+            </a:r>
+            <a:endParaRPr/>
+          </a:p>
+          <a:p>
+            <a:pPr indent="0" lvl="0" marL="0" rtl="0" algn="l">
+              <a:spcBef>
+                <a:spcPts val="0"/>
+              </a:spcBef>
+              <a:spcAft>
+                <a:spcPts val="0"/>
+              </a:spcAft>
+              <a:buNone/>
+            </a:pPr>
+            <a:r>
+              <a:t/>
+            </a:r>
+            <a:endParaRPr/>
+          </a:p>
+        </p:txBody>
+      </p:sp>
+      <p:sp>
+        <p:nvSpPr>
+          <p:cNvPr id="160" name="Google Shape;160;p28"/>
+          <p:cNvSpPr txBox="1"/>
+          <p:nvPr>
+            <p:ph idx="1" type="body"/>
+          </p:nvPr>
+        </p:nvSpPr>
+        <p:spPr>
+          <a:xfrm>
+            <a:off x="311700" y="1152475"/>
+            <a:ext cx="8520600" cy="3416400"/>
+          </a:xfrm>
+          <a:prstGeom prst="rect">
+            <a:avLst/>
+          </a:prstGeom>
+        </p:spPr>
+        <p:txBody>
+          <a:bodyPr anchorCtr="0" anchor="t" bIns="91425" lIns="91425" spcFirstLastPara="1" rIns="91425" wrap="square" tIns="91425">
+            <a:normAutofit fontScale="70000" lnSpcReduction="20000"/>
+          </a:bodyPr>
+          <a:lstStyle/>
+          <a:p>
+            <a:pPr indent="0" lvl="0" marL="0" rtl="0" algn="l">
+              <a:spcBef>
+                <a:spcPts val="0"/>
+              </a:spcBef>
+              <a:spcAft>
+                <a:spcPts val="0"/>
+              </a:spcAft>
+              <a:buNone/>
+            </a:pPr>
+            <a:r>
+              <a:rPr b="1" lang="en"/>
+              <a:t>Accuracy = (TP + TN) / (TP + FP + FN + TN)</a:t>
+            </a:r>
+            <a:endParaRPr b="1"/>
+          </a:p>
+          <a:p>
+            <a:pPr indent="0" lvl="0" marL="0" rtl="0" algn="l">
+              <a:spcBef>
+                <a:spcPts val="1200"/>
+              </a:spcBef>
+              <a:spcAft>
+                <a:spcPts val="0"/>
+              </a:spcAft>
+              <a:buNone/>
+            </a:pPr>
+            <a:r>
+              <a:rPr lang="en"/>
+              <a:t>Accuracy tells the percentage of predictions made correctly</a:t>
+            </a:r>
+            <a:endParaRPr/>
+          </a:p>
+          <a:p>
+            <a:pPr indent="0" lvl="0" marL="0" rtl="0" algn="l">
+              <a:spcBef>
+                <a:spcPts val="1200"/>
+              </a:spcBef>
+              <a:spcAft>
+                <a:spcPts val="0"/>
+              </a:spcAft>
+              <a:buNone/>
+            </a:pPr>
+            <a:r>
+              <a:rPr b="1" lang="en"/>
+              <a:t>Precision</a:t>
+            </a:r>
+            <a:r>
+              <a:rPr lang="en"/>
+              <a:t> = TP / (TP + FP) </a:t>
+            </a:r>
+            <a:endParaRPr/>
+          </a:p>
+          <a:p>
+            <a:pPr indent="0" lvl="0" marL="0" rtl="0" algn="l">
+              <a:spcBef>
+                <a:spcPts val="1200"/>
+              </a:spcBef>
+              <a:spcAft>
+                <a:spcPts val="0"/>
+              </a:spcAft>
+              <a:buNone/>
+            </a:pPr>
+            <a:r>
+              <a:rPr lang="en"/>
+              <a:t>Precision</a:t>
+            </a:r>
+            <a:r>
+              <a:rPr lang="en"/>
+              <a:t> tells us what percentage of positive identifications was actually correct.</a:t>
+            </a:r>
+            <a:endParaRPr/>
+          </a:p>
+          <a:p>
+            <a:pPr indent="0" lvl="0" marL="0" rtl="0" algn="l">
+              <a:spcBef>
+                <a:spcPts val="1200"/>
+              </a:spcBef>
+              <a:spcAft>
+                <a:spcPts val="0"/>
+              </a:spcAft>
+              <a:buClr>
+                <a:schemeClr val="dk1"/>
+              </a:buClr>
+              <a:buSzPct val="61111"/>
+              <a:buFont typeface="Arial"/>
+              <a:buNone/>
+            </a:pPr>
+            <a:r>
+              <a:rPr lang="en"/>
+              <a:t>Precision = 0.73 = Out of all customers that the model predicted would purchase, 73% of them did</a:t>
+            </a:r>
+            <a:endParaRPr/>
+          </a:p>
+          <a:p>
+            <a:pPr indent="0" lvl="0" marL="0" rtl="0" algn="l">
+              <a:spcBef>
+                <a:spcPts val="1200"/>
+              </a:spcBef>
+              <a:spcAft>
+                <a:spcPts val="0"/>
+              </a:spcAft>
+              <a:buNone/>
+            </a:pPr>
+            <a:r>
+              <a:rPr b="1" lang="en"/>
+              <a:t>Recall</a:t>
+            </a:r>
+            <a:r>
+              <a:rPr lang="en"/>
+              <a:t> = TP / (TP + FN)</a:t>
+            </a:r>
+            <a:endParaRPr/>
+          </a:p>
+          <a:p>
+            <a:pPr indent="0" lvl="0" marL="0" rtl="0" algn="l">
+              <a:spcBef>
+                <a:spcPts val="1200"/>
+              </a:spcBef>
+              <a:spcAft>
+                <a:spcPts val="0"/>
+              </a:spcAft>
+              <a:buNone/>
+            </a:pPr>
+            <a:r>
+              <a:rPr lang="en"/>
+              <a:t>Recall tells us what percentage of actual positives the model correctly </a:t>
+            </a:r>
+            <a:r>
+              <a:rPr lang="en"/>
+              <a:t>identified.</a:t>
+            </a:r>
+            <a:endParaRPr/>
+          </a:p>
+          <a:p>
+            <a:pPr indent="0" lvl="0" marL="0" rtl="0" algn="l">
+              <a:spcBef>
+                <a:spcPts val="1200"/>
+              </a:spcBef>
+              <a:spcAft>
+                <a:spcPts val="0"/>
+              </a:spcAft>
+              <a:buNone/>
+            </a:pPr>
+            <a:r>
+              <a:rPr lang="en"/>
+              <a:t>Recall = 76% = Out of all the customers that actually </a:t>
+            </a:r>
+            <a:r>
+              <a:rPr lang="en"/>
+              <a:t>purchased, the model predicted this correctly for 76% of them</a:t>
+            </a:r>
+            <a:endParaRPr/>
+          </a:p>
+          <a:p>
+            <a:pPr indent="0" lvl="0" marL="0" rtl="0" algn="l">
+              <a:spcBef>
+                <a:spcPts val="1200"/>
+              </a:spcBef>
+              <a:spcAft>
+                <a:spcPts val="0"/>
+              </a:spcAft>
+              <a:buNone/>
+            </a:pPr>
+            <a:r>
+              <a:rPr b="1" lang="en"/>
+              <a:t>F1</a:t>
+            </a:r>
+            <a:r>
+              <a:rPr lang="en"/>
+              <a:t>  = 2*(Recall * Precision) / (Recall + Precision)</a:t>
+            </a:r>
+            <a:endParaRPr/>
+          </a:p>
+          <a:p>
+            <a:pPr indent="0" lvl="0" marL="0" rtl="0" algn="l">
+              <a:spcBef>
+                <a:spcPts val="1200"/>
+              </a:spcBef>
+              <a:spcAft>
+                <a:spcPts val="1200"/>
+              </a:spcAft>
+              <a:buNone/>
+            </a:pPr>
+            <a:r>
+              <a:rPr lang="en"/>
+              <a:t>F1 is the weighted harmonic mean of precision and recall.  Closer to 1 = better.</a:t>
+            </a:r>
+            <a:endParaRPr/>
+          </a:p>
+        </p:txBody>
+      </p:sp>
     </p:spTree>
   </p:cSld>
   <p:clrMapOvr>
@@ -11444,7 +11655,109 @@
                                           </p:stCondLst>
                                         </p:cTn>
                                         <p:tgtEl>
-                                          <p:spTgt spid="161"/>
+                                          <p:spTgt spid="160">
+                                            <p:txEl>
+                                              <p:pRg end="7" st="7"/>
+                                            </p:txEl>
+                                          </p:spTgt>
+                                        </p:tgtEl>
+                                        <p:attrNameLst>
+                                          <p:attrName>style.visibility</p:attrName>
+                                        </p:attrNameLst>
+                                      </p:cBhvr>
+                                      <p:to>
+                                        <p:strVal val="visible"/>
+                                      </p:to>
+                                    </p:set>
+                                  </p:childTnLst>
+                                </p:cTn>
+                              </p:par>
+                            </p:childTnLst>
+                          </p:cTn>
+                        </p:par>
+                      </p:childTnLst>
+                    </p:cTn>
+                  </p:par>
+                  <p:par>
+                    <p:cTn fill="hold">
+                      <p:stCondLst>
+                        <p:cond delay="indefinite"/>
+                      </p:stCondLst>
+                      <p:childTnLst>
+                        <p:par>
+                          <p:cTn fill="hold">
+                            <p:stCondLst>
+                              <p:cond delay="0"/>
+                            </p:stCondLst>
+                            <p:childTnLst>
+                              <p:par>
+                                <p:cTn fill="hold" nodeType="clickEffect" presetClass="entr" presetID="1" presetSubtype="0">
+                                  <p:stCondLst>
+                                    <p:cond delay="0"/>
+                                  </p:stCondLst>
+                                  <p:childTnLst>
+                                    <p:set>
+                                      <p:cBhvr>
+                                        <p:cTn dur="1" fill="hold">
+                                          <p:stCondLst>
+                                            <p:cond delay="0"/>
+                                          </p:stCondLst>
+                                        </p:cTn>
+                                        <p:tgtEl>
+                                          <p:spTgt spid="160">
+                                            <p:txEl>
+                                              <p:pRg end="8" st="8"/>
+                                            </p:txEl>
+                                          </p:spTgt>
+                                        </p:tgtEl>
+                                        <p:attrNameLst>
+                                          <p:attrName>style.visibility</p:attrName>
+                                        </p:attrNameLst>
+                                      </p:cBhvr>
+                                      <p:to>
+                                        <p:strVal val="visible"/>
+                                      </p:to>
+                                    </p:set>
+                                  </p:childTnLst>
+                                </p:cTn>
+                              </p:par>
+                            </p:childTnLst>
+                          </p:cTn>
+                        </p:par>
+                      </p:childTnLst>
+                    </p:cTn>
+                  </p:par>
+                  <p:par>
+                    <p:cTn fill="hold">
+                      <p:stCondLst>
+                        <p:cond delay="indefinite"/>
+                      </p:stCondLst>
+                      <p:childTnLst>
+                        <p:par>
+                          <p:cTn fill="hold">
+                            <p:stCondLst>
+                              <p:cond delay="0"/>
+                            </p:stCondLst>
+                            <p:childTnLst>
+                              <p:par>
+                                <p:cTn fill="hold" nodeType="clickEffect" presetClass="entr" presetID="1" presetSubtype="0">
+                                  <p:stCondLst>
+                                    <p:cond delay="0"/>
+                                  </p:stCondLst>
+                                  <p:childTnLst>
+                                    <p:set>
+                                      <p:cBhvr>
+                                        <p:cTn dur="1" fill="hold">
+                                          <p:stCondLst>
+                                            <p:cond delay="0"/>
+                                          </p:stCondLst>
+                                        </p:cTn>
+                                        <p:tgtEl>
+                                          <p:spTgt spid="160">
+                                            <p:txEl>
+                                              <p:pRg end="9" st="9"/>
+                                            </p:txEl>
+                                          </p:spTgt>
                                         </p:tgtEl>
                                         <p:attrNameLst>
                                           <p:attrName>style.visibility</p:attrName>
@@ -11493,7 +11806,7 @@
   <p:cSld>
     <p:spTree>
       <p:nvGrpSpPr>
-        <p:cNvPr id="165" name="Shape 165"/>
+        <p:cNvPr id="164" name="Shape 164"/>
         <p:cNvGrpSpPr/>
         <p:nvPr/>
       </p:nvGrpSpPr>
@@ -11507,7 +11820,7 @@
       </p:grpSpPr>
       <p:sp>
         <p:nvSpPr>
-          <p:cNvPr id="166" name="Google Shape;166;p29"/>
+          <p:cNvPr id="165" name="Google Shape;165;p29"/>
           <p:cNvSpPr txBox="1"/>
           <p:nvPr>
             <p:ph type="title"/>
@@ -11539,17 +11852,136 @@
             </a:pPr>
             <a:r>
               <a:rPr lang="en"/>
-              <a:t>Classification Report</a:t>
+              <a:t>Hypothesis Testing / Statistical Significance </a:t>
+            </a:r>
+            <a:endParaRPr/>
+          </a:p>
+        </p:txBody>
+      </p:sp>
+      <p:sp>
+        <p:nvSpPr>
+          <p:cNvPr id="166" name="Google Shape;166;p29"/>
+          <p:cNvSpPr txBox="1"/>
+          <p:nvPr>
+            <p:ph idx="1" type="body"/>
+          </p:nvPr>
+        </p:nvSpPr>
+        <p:spPr>
+          <a:xfrm>
+            <a:off x="311700" y="1152475"/>
+            <a:ext cx="4102800" cy="3416400"/>
+          </a:xfrm>
+          <a:prstGeom prst="rect">
+            <a:avLst/>
+          </a:prstGeom>
+        </p:spPr>
+        <p:txBody>
+          <a:bodyPr anchorCtr="0" anchor="t" bIns="91425" lIns="91425" spcFirstLastPara="1" rIns="91425" wrap="square" tIns="91425">
+            <a:normAutofit fontScale="92500" lnSpcReduction="20000"/>
+          </a:bodyPr>
+          <a:lstStyle/>
+          <a:p>
+            <a:pPr indent="0" lvl="0" marL="0" rtl="0" algn="l">
+              <a:spcBef>
+                <a:spcPts val="0"/>
+              </a:spcBef>
+              <a:spcAft>
+                <a:spcPts val="0"/>
+              </a:spcAft>
+              <a:buNone/>
+            </a:pPr>
+            <a:r>
+              <a:rPr lang="en"/>
+              <a:t>Z = Coefficient (- H0) / Standard Error </a:t>
             </a:r>
             <a:endParaRPr/>
           </a:p>
           <a:p>
             <a:pPr indent="0" lvl="0" marL="0" rtl="0" algn="l">
               <a:spcBef>
-                <a:spcPts val="0"/>
-              </a:spcBef>
-              <a:spcAft>
-                <a:spcPts val="0"/>
+                <a:spcPts val="1200"/>
+              </a:spcBef>
+              <a:spcAft>
+                <a:spcPts val="0"/>
+              </a:spcAft>
+              <a:buNone/>
+            </a:pPr>
+            <a:r>
+              <a:rPr lang="en"/>
+              <a:t>(…or does it?)</a:t>
+            </a:r>
+            <a:endParaRPr/>
+          </a:p>
+          <a:p>
+            <a:pPr indent="0" lvl="0" marL="0" rtl="0" algn="l">
+              <a:spcBef>
+                <a:spcPts val="1200"/>
+              </a:spcBef>
+              <a:spcAft>
+                <a:spcPts val="0"/>
+              </a:spcAft>
+              <a:buNone/>
+            </a:pPr>
+            <a:r>
+              <a:rPr lang="en"/>
+              <a:t>Find CV from Z table for a selected level of alpha</a:t>
+            </a:r>
+            <a:endParaRPr/>
+          </a:p>
+          <a:p>
+            <a:pPr indent="0" lvl="0" marL="0" rtl="0" algn="l">
+              <a:spcBef>
+                <a:spcPts val="1200"/>
+              </a:spcBef>
+              <a:spcAft>
+                <a:spcPts val="0"/>
+              </a:spcAft>
+              <a:buNone/>
+            </a:pPr>
+            <a:r>
+              <a:rPr lang="en"/>
+              <a:t>If abs(Z) &gt; abs(CV), reject the null hypothesis</a:t>
+            </a:r>
+            <a:endParaRPr/>
+          </a:p>
+          <a:p>
+            <a:pPr indent="0" lvl="0" marL="0" rtl="0" algn="l">
+              <a:spcBef>
+                <a:spcPts val="1200"/>
+              </a:spcBef>
+              <a:spcAft>
+                <a:spcPts val="0"/>
+              </a:spcAft>
+              <a:buNone/>
+            </a:pPr>
+            <a:r>
+              <a:t/>
+            </a:r>
+            <a:endParaRPr/>
+          </a:p>
+          <a:p>
+            <a:pPr indent="0" lvl="0" marL="0" rtl="0" algn="l">
+              <a:spcBef>
+                <a:spcPts val="1200"/>
+              </a:spcBef>
+              <a:spcAft>
+                <a:spcPts val="0"/>
+              </a:spcAft>
+              <a:buNone/>
+            </a:pPr>
+            <a:r>
+              <a:rPr lang="en"/>
+              <a:t>Or, if p &lt; alpha, reject the null hypothesis</a:t>
+            </a:r>
+            <a:endParaRPr/>
+          </a:p>
+          <a:p>
+            <a:pPr indent="0" lvl="0" marL="0" rtl="0" algn="l">
+              <a:spcBef>
+                <a:spcPts val="1200"/>
+              </a:spcBef>
+              <a:spcAft>
+                <a:spcPts val="1200"/>
               </a:spcAft>
               <a:buNone/>
             </a:pPr>
@@ -11560,219 +11992,34 @@
           </a:p>
         </p:txBody>
       </p:sp>
-      <p:sp>
-        <p:nvSpPr>
+      <p:pic>
+        <p:nvPicPr>
           <p:cNvPr id="167" name="Google Shape;167;p29"/>
-          <p:cNvSpPr txBox="1"/>
-          <p:nvPr>
-            <p:ph idx="1" type="body"/>
-          </p:nvPr>
-        </p:nvSpPr>
+          <p:cNvPicPr preferRelativeResize="0"/>
+          <p:nvPr/>
+        </p:nvPicPr>
+        <p:blipFill>
+          <a:blip r:embed="rId3">
+            <a:alphaModFix/>
+          </a:blip>
+          <a:stretch>
+            <a:fillRect/>
+          </a:stretch>
+        </p:blipFill>
         <p:spPr>
           <a:xfrm>
-            <a:off x="311700" y="1152475"/>
-            <a:ext cx="8520600" cy="3416400"/>
+            <a:off x="4729550" y="1833177"/>
+            <a:ext cx="4102751" cy="1264900"/>
           </a:xfrm>
           <a:prstGeom prst="rect">
             <a:avLst/>
           </a:prstGeom>
+          <a:noFill/>
+          <a:ln>
+            <a:noFill/>
+          </a:ln>
         </p:spPr>
-        <p:txBody>
-          <a:bodyPr anchorCtr="0" anchor="t" bIns="91425" lIns="91425" spcFirstLastPara="1" rIns="91425" wrap="square" tIns="91425">
-            <a:normAutofit fontScale="70000" lnSpcReduction="20000"/>
-          </a:bodyPr>
-          <a:lstStyle/>
-          <a:p>
-            <a:pPr indent="0" lvl="0" marL="0" rtl="0" algn="l">
-              <a:spcBef>
-                <a:spcPts val="0"/>
-              </a:spcBef>
-              <a:spcAft>
-                <a:spcPts val="0"/>
-              </a:spcAft>
-              <a:buNone/>
-            </a:pPr>
-            <a:r>
-              <a:rPr b="1" lang="en"/>
-              <a:t>Accuracy = TP + TN / TP + FP + FN + TN</a:t>
-            </a:r>
-            <a:endParaRPr b="1"/>
-          </a:p>
-          <a:p>
-            <a:pPr indent="0" lvl="0" marL="0" rtl="0" algn="l">
-              <a:spcBef>
-                <a:spcPts val="1200"/>
-              </a:spcBef>
-              <a:spcAft>
-                <a:spcPts val="0"/>
-              </a:spcAft>
-              <a:buNone/>
-            </a:pPr>
-            <a:r>
-              <a:rPr lang="en"/>
-              <a:t>Accuracy tells the percentage of predictions made correctly</a:t>
-            </a:r>
-            <a:endParaRPr/>
-          </a:p>
-          <a:p>
-            <a:pPr indent="0" lvl="0" marL="0" rtl="0" algn="l">
-              <a:spcBef>
-                <a:spcPts val="1200"/>
-              </a:spcBef>
-              <a:spcAft>
-                <a:spcPts val="0"/>
-              </a:spcAft>
-              <a:buNone/>
-            </a:pPr>
-            <a:r>
-              <a:rPr b="1" lang="en"/>
-              <a:t>Precision</a:t>
-            </a:r>
-            <a:r>
-              <a:rPr lang="en"/>
-              <a:t> = TP / (TP + FP) </a:t>
-            </a:r>
-            <a:endParaRPr/>
-          </a:p>
-          <a:p>
-            <a:pPr indent="0" lvl="0" marL="0" rtl="0" algn="l">
-              <a:spcBef>
-                <a:spcPts val="1200"/>
-              </a:spcBef>
-              <a:spcAft>
-                <a:spcPts val="0"/>
-              </a:spcAft>
-              <a:buNone/>
-            </a:pPr>
-            <a:r>
-              <a:rPr lang="en"/>
-              <a:t>Precision</a:t>
-            </a:r>
-            <a:r>
-              <a:rPr lang="en"/>
-              <a:t> tells us what percentage of positive identifications was actually correct.</a:t>
-            </a:r>
-            <a:endParaRPr/>
-          </a:p>
-          <a:p>
-            <a:pPr indent="0" lvl="0" marL="0" rtl="0" algn="l">
-              <a:spcBef>
-                <a:spcPts val="1200"/>
-              </a:spcBef>
-              <a:spcAft>
-                <a:spcPts val="0"/>
-              </a:spcAft>
-              <a:buClr>
-                <a:schemeClr val="dk1"/>
-              </a:buClr>
-              <a:buSzPct val="61111"/>
-              <a:buFont typeface="Arial"/>
-              <a:buNone/>
-            </a:pPr>
-            <a:r>
-              <a:rPr lang="en"/>
-              <a:t>Precision = 0.73 = Out of all customers that the model predicted would purchase, 73% of them did</a:t>
-            </a:r>
-            <a:endParaRPr/>
-          </a:p>
-          <a:p>
-            <a:pPr indent="0" lvl="0" marL="0" rtl="0" algn="l">
-              <a:spcBef>
-                <a:spcPts val="1200"/>
-              </a:spcBef>
-              <a:spcAft>
-                <a:spcPts val="0"/>
-              </a:spcAft>
-              <a:buNone/>
-            </a:pPr>
-            <a:r>
-              <a:rPr b="1" lang="en"/>
-              <a:t>Recall</a:t>
-            </a:r>
-            <a:r>
-              <a:rPr lang="en"/>
-              <a:t> = TP / (TP + FN)</a:t>
-            </a:r>
-            <a:endParaRPr/>
-          </a:p>
-          <a:p>
-            <a:pPr indent="0" lvl="0" marL="0" rtl="0" algn="l">
-              <a:spcBef>
-                <a:spcPts val="1200"/>
-              </a:spcBef>
-              <a:spcAft>
-                <a:spcPts val="0"/>
-              </a:spcAft>
-              <a:buNone/>
-            </a:pPr>
-            <a:r>
-              <a:rPr lang="en"/>
-              <a:t>Recall tells us what percentage of actual positives the model correctly </a:t>
-            </a:r>
-            <a:r>
-              <a:rPr lang="en"/>
-              <a:t>identified.</a:t>
-            </a:r>
-            <a:endParaRPr/>
-          </a:p>
-          <a:p>
-            <a:pPr indent="0" lvl="0" marL="0" rtl="0" algn="l">
-              <a:spcBef>
-                <a:spcPts val="1200"/>
-              </a:spcBef>
-              <a:spcAft>
-                <a:spcPts val="0"/>
-              </a:spcAft>
-              <a:buNone/>
-            </a:pPr>
-            <a:r>
-              <a:rPr lang="en"/>
-              <a:t>Recall = 76% = Out of all the customers that actually </a:t>
-            </a:r>
-            <a:r>
-              <a:rPr lang="en"/>
-              <a:t>purchased, the model predicted this correctly for 76% of them</a:t>
-            </a:r>
-            <a:endParaRPr/>
-          </a:p>
-          <a:p>
-            <a:pPr indent="0" lvl="0" marL="0" rtl="0" algn="l">
-              <a:spcBef>
-                <a:spcPts val="1200"/>
-              </a:spcBef>
-              <a:spcAft>
-                <a:spcPts val="0"/>
-              </a:spcAft>
-              <a:buNone/>
-            </a:pPr>
-            <a:r>
-              <a:rPr b="1" lang="en"/>
-              <a:t>F1</a:t>
-            </a:r>
-            <a:r>
-              <a:rPr lang="en"/>
-              <a:t>  = 2*(Recall * Precision) / (Recall + Precision)</a:t>
-            </a:r>
-            <a:endParaRPr/>
-          </a:p>
-          <a:p>
-            <a:pPr indent="0" lvl="0" marL="0" rtl="0" algn="l">
-              <a:spcBef>
-                <a:spcPts val="1200"/>
-              </a:spcBef>
-              <a:spcAft>
-                <a:spcPts val="1200"/>
-              </a:spcAft>
-              <a:buNone/>
-            </a:pPr>
-            <a:r>
-              <a:rPr lang="en"/>
-              <a:t>F1 is the weighted harmonic mean of precision and recall.  Closer to 1 = better.</a:t>
-            </a:r>
-            <a:endParaRPr/>
-          </a:p>
-        </p:txBody>
-      </p:sp>
+      </p:pic>
     </p:spTree>
   </p:cSld>
   <p:clrMapOvr>
@@ -11812,7 +12059,7 @@
                                           </p:stCondLst>
                                         </p:cTn>
                                         <p:tgtEl>
-                                          <p:spTgt spid="167">
+                                          <p:spTgt spid="166">
                                             <p:txEl>
                                               <p:pRg end="0" st="0"/>
                                             </p:txEl>
@@ -11861,7 +12108,7 @@
                                           </p:stCondLst>
                                         </p:cTn>
                                         <p:tgtEl>
-                                          <p:spTgt spid="167">
+                                          <p:spTgt spid="166">
                                             <p:txEl>
                                               <p:pRg end="1" st="1"/>
                                             </p:txEl>
@@ -11910,7 +12157,7 @@
                                           </p:stCondLst>
                                         </p:cTn>
                                         <p:tgtEl>
-                                          <p:spTgt spid="167">
+                                          <p:spTgt spid="166">
                                             <p:txEl>
                                               <p:pRg end="2" st="2"/>
                                             </p:txEl>
@@ -11959,7 +12206,7 @@
                                           </p:stCondLst>
                                         </p:cTn>
                                         <p:tgtEl>
-                                          <p:spTgt spid="167">
+                                          <p:spTgt spid="166">
                                             <p:txEl>
                                               <p:pRg end="3" st="3"/>
                                             </p:txEl>
@@ -12008,7 +12255,7 @@
                                           </p:stCondLst>
                                         </p:cTn>
                                         <p:tgtEl>
-                                          <p:spTgt spid="167">
+                                          <p:spTgt spid="166">
                                             <p:txEl>
                                               <p:pRg end="4" st="4"/>
                                             </p:txEl>
@@ -12057,7 +12304,7 @@
                                           </p:stCondLst>
                                         </p:cTn>
                                         <p:tgtEl>
-                                          <p:spTgt spid="167">
+                                          <p:spTgt spid="166">
                                             <p:txEl>
                                               <p:pRg end="5" st="5"/>
                                             </p:txEl>
@@ -12106,156 +12353,9 @@
                                           </p:stCondLst>
                                         </p:cTn>
                                         <p:tgtEl>
-                                          <p:spTgt spid="167">
+                                          <p:spTgt spid="166">
                                             <p:txEl>
                                               <p:pRg end="6" st="6"/>
-                                            </p:txEl>
-                                          </p:spTgt>
-                                        </p:tgtEl>
-                                        <p:attrNameLst>
-                                          <p:attrName>style.visibility</p:attrName>
-                                        </p:attrNameLst>
-                                      </p:cBhvr>
-                                      <p:to>
-                                        <p:strVal val="visible"/>
-                                      </p:to>
-                                    </p:set>
-                                  </p:childTnLst>
-                                </p:cTn>
-                              </p:par>
-                            </p:childTnLst>
-                          </p:cTn>
-                        </p:par>
-                      </p:childTnLst>
-                    </p:cTn>
-                  </p:par>
-                  <p:par>
-                    <p:cTn fill="hold">
-                      <p:stCondLst>
-                        <p:cond delay="indefinite"/>
-                      </p:stCondLst>
-                      <p:childTnLst>
-                        <p:par>
-                          <p:cTn fill="hold">
-                            <p:stCondLst>
-                              <p:cond delay="0"/>
-                            </p:stCondLst>
-                            <p:childTnLst>
-                              <p:par>
-                                <p:cTn fill="hold" nodeType="clickEffect" presetClass="entr" presetID="1" presetSubtype="0">
-                                  <p:stCondLst>
-                                    <p:cond delay="0"/>
-                                  </p:stCondLst>
-                                  <p:childTnLst>
-                                    <p:set>
-                                      <p:cBhvr>
-                                        <p:cTn dur="1" fill="hold">
-                                          <p:stCondLst>
-                                            <p:cond delay="0"/>
-                                          </p:stCondLst>
-                                        </p:cTn>
-                                        <p:tgtEl>
-                                          <p:spTgt spid="167">
-                                            <p:txEl>
-                                              <p:pRg end="7" st="7"/>
-                                            </p:txEl>
-                                          </p:spTgt>
-                                        </p:tgtEl>
-                                        <p:attrNameLst>
-                                          <p:attrName>style.visibility</p:attrName>
-                                        </p:attrNameLst>
-                                      </p:cBhvr>
-                                      <p:to>
-                                        <p:strVal val="visible"/>
-                                      </p:to>
-                                    </p:set>
-                                  </p:childTnLst>
-                                </p:cTn>
-                              </p:par>
-                            </p:childTnLst>
-                          </p:cTn>
-                        </p:par>
-                      </p:childTnLst>
-                    </p:cTn>
-                  </p:par>
-                  <p:par>
-                    <p:cTn fill="hold">
-                      <p:stCondLst>
-                        <p:cond delay="indefinite"/>
-                      </p:stCondLst>
-                      <p:childTnLst>
-                        <p:par>
-                          <p:cTn fill="hold">
-                            <p:stCondLst>
-                              <p:cond delay="0"/>
-                            </p:stCondLst>
-                            <p:childTnLst>
-                              <p:par>
-                                <p:cTn fill="hold" nodeType="clickEffect" presetClass="entr" presetID="1" presetSubtype="0">
-                                  <p:stCondLst>
-                                    <p:cond delay="0"/>
-                                  </p:stCondLst>
-                                  <p:childTnLst>
-                                    <p:set>
-                                      <p:cBhvr>
-                                        <p:cTn dur="1" fill="hold">
-                                          <p:stCondLst>
-                                            <p:cond delay="0"/>
-                                          </p:stCondLst>
-                                        </p:cTn>
-                                        <p:tgtEl>
-                                          <p:spTgt spid="167">
-                                            <p:txEl>
-                                              <p:pRg end="8" st="8"/>
-                                            </p:txEl>
-                                          </p:spTgt>
-                                        </p:tgtEl>
-                                        <p:attrNameLst>
-                                          <p:attrName>style.visibility</p:attrName>
-                                        </p:attrNameLst>
-                                      </p:cBhvr>
-                                      <p:to>
-                                        <p:strVal val="visible"/>
-                                      </p:to>
-                                    </p:set>
-                                  </p:childTnLst>
-                                </p:cTn>
-                              </p:par>
-                            </p:childTnLst>
-                          </p:cTn>
-                        </p:par>
-                      </p:childTnLst>
-                    </p:cTn>
-                  </p:par>
-                  <p:par>
-                    <p:cTn fill="hold">
-                      <p:stCondLst>
-                        <p:cond delay="indefinite"/>
-                      </p:stCondLst>
-                      <p:childTnLst>
-                        <p:par>
-                          <p:cTn fill="hold">
-                            <p:stCondLst>
-                              <p:cond delay="0"/>
-                            </p:stCondLst>
-                            <p:childTnLst>
-                              <p:par>
-                                <p:cTn fill="hold" nodeType="clickEffect" presetClass="entr" presetID="1" presetSubtype="0">
-                                  <p:stCondLst>
-                                    <p:cond delay="0"/>
-                                  </p:stCondLst>
-                                  <p:childTnLst>
-                                    <p:set>
-                                      <p:cBhvr>
-                                        <p:cTn dur="1" fill="hold">
-                                          <p:stCondLst>
-                                            <p:cond delay="0"/>
-                                          </p:stCondLst>
-                                        </p:cTn>
-                                        <p:tgtEl>
-                                          <p:spTgt spid="167">
-                                            <p:txEl>
-                                              <p:pRg end="9" st="9"/>
                                             </p:txEl>
                                           </p:spTgt>
                                         </p:tgtEl>
@@ -12373,7 +12473,7 @@
             <a:tbl>
               <a:tblPr>
                 <a:noFill/>
-                <a:tableStyleId>{672A076E-D298-4484-919D-19D89BF17A90}</a:tableStyleId>
+                <a:tableStyleId>{ACD02343-28EE-4729-9CA3-A3004B5C1CF3}</a:tableStyleId>
               </a:tblPr>
               <a:tblGrid>
                 <a:gridCol w="3619500"/>
@@ -13422,7 +13522,7 @@
             <a:tbl>
               <a:tblPr>
                 <a:noFill/>
-                <a:tableStyleId>{672A076E-D298-4484-919D-19D89BF17A90}</a:tableStyleId>
+                <a:tableStyleId>{ACD02343-28EE-4729-9CA3-A3004B5C1CF3}</a:tableStyleId>
               </a:tblPr>
               <a:tblGrid>
                 <a:gridCol w="1387625"/>
@@ -14572,6 +14672,215 @@
 </p:sld>
 </file>
 
+<file path=ppt/slides/slide21.xml><?xml version="1.0" encoding="utf-8"?>
+<p:sld xmlns:a="http://schemas.openxmlformats.org/drawingml/2006/main" xmlns:r="http://schemas.openxmlformats.org/officeDocument/2006/relationships" xmlns:mc="http://schemas.openxmlformats.org/markup-compatibility/2006" xmlns:mv="urn:schemas-microsoft-com:mac:vml" xmlns:p="http://schemas.openxmlformats.org/presentationml/2006/main" xmlns:c="http://schemas.openxmlformats.org/drawingml/2006/chart" xmlns:dgm="http://schemas.openxmlformats.org/drawingml/2006/diagram" xmlns:o="urn:schemas-microsoft-com:office:office" xmlns:v="urn:schemas-microsoft-com:vml" xmlns:pvml="urn:schemas-microsoft-com:office:powerpoint" xmlns:com="http://schemas.openxmlformats.org/drawingml/2006/compatibility" xmlns:p14="http://schemas.microsoft.com/office/powerpoint/2010/main" xmlns:p15="http://schemas.microsoft.com/office/powerpoint/2012/main" xmlns:ahyp="http://schemas.microsoft.com/office/drawing/2018/hyperlinkcolor">
+  <p:cSld>
+    <p:spTree>
+      <p:nvGrpSpPr>
+        <p:cNvPr id="192" name="Shape 192"/>
+        <p:cNvGrpSpPr/>
+        <p:nvPr/>
+      </p:nvGrpSpPr>
+      <p:grpSpPr>
+        <a:xfrm>
+          <a:off x="0" y="0"/>
+          <a:ext cx="0" cy="0"/>
+          <a:chOff x="0" y="0"/>
+          <a:chExt cx="0" cy="0"/>
+        </a:xfrm>
+      </p:grpSpPr>
+      <p:sp>
+        <p:nvSpPr>
+          <p:cNvPr id="193" name="Google Shape;193;p33"/>
+          <p:cNvSpPr txBox="1"/>
+          <p:nvPr>
+            <p:ph type="title"/>
+          </p:nvPr>
+        </p:nvSpPr>
+        <p:spPr>
+          <a:xfrm>
+            <a:off x="311700" y="445025"/>
+            <a:ext cx="8520600" cy="572700"/>
+          </a:xfrm>
+          <a:prstGeom prst="rect">
+            <a:avLst/>
+          </a:prstGeom>
+        </p:spPr>
+        <p:txBody>
+          <a:bodyPr anchorCtr="0" anchor="t" bIns="91425" lIns="91425" spcFirstLastPara="1" rIns="91425" wrap="square" tIns="91425">
+            <a:normAutofit fontScale="90000"/>
+          </a:bodyPr>
+          <a:lstStyle/>
+          <a:p>
+            <a:pPr indent="0" lvl="0" marL="0" rtl="0" algn="l">
+              <a:spcBef>
+                <a:spcPts val="0"/>
+              </a:spcBef>
+              <a:spcAft>
+                <a:spcPts val="0"/>
+              </a:spcAft>
+              <a:buNone/>
+            </a:pPr>
+            <a:r>
+              <a:rPr lang="en"/>
+              <a:t>Ordered Logistic Regression</a:t>
+            </a:r>
+            <a:endParaRPr/>
+          </a:p>
+        </p:txBody>
+      </p:sp>
+      <p:sp>
+        <p:nvSpPr>
+          <p:cNvPr id="194" name="Google Shape;194;p33"/>
+          <p:cNvSpPr txBox="1"/>
+          <p:nvPr>
+            <p:ph idx="1" type="body"/>
+          </p:nvPr>
+        </p:nvSpPr>
+        <p:spPr>
+          <a:xfrm>
+            <a:off x="311700" y="1152475"/>
+            <a:ext cx="4260300" cy="3416400"/>
+          </a:xfrm>
+          <a:prstGeom prst="rect">
+            <a:avLst/>
+          </a:prstGeom>
+        </p:spPr>
+        <p:txBody>
+          <a:bodyPr anchorCtr="0" anchor="t" bIns="91425" lIns="91425" spcFirstLastPara="1" rIns="91425" wrap="square" tIns="91425">
+            <a:normAutofit fontScale="77500"/>
+          </a:bodyPr>
+          <a:lstStyle/>
+          <a:p>
+            <a:pPr indent="0" lvl="0" marL="0" rtl="0" algn="l">
+              <a:spcBef>
+                <a:spcPts val="0"/>
+              </a:spcBef>
+              <a:spcAft>
+                <a:spcPts val="0"/>
+              </a:spcAft>
+              <a:buNone/>
+            </a:pPr>
+            <a:r>
+              <a:rPr lang="en"/>
+              <a:t>What if dependent variable is ordinal?</a:t>
+            </a:r>
+            <a:endParaRPr/>
+          </a:p>
+          <a:p>
+            <a:pPr indent="0" lvl="0" marL="0" rtl="0" algn="l">
+              <a:spcBef>
+                <a:spcPts val="1200"/>
+              </a:spcBef>
+              <a:spcAft>
+                <a:spcPts val="0"/>
+              </a:spcAft>
+              <a:buNone/>
+            </a:pPr>
+            <a:r>
+              <a:rPr lang="en"/>
+              <a:t>Example: 1 if totally dissatisfied, 2 if slightly </a:t>
+            </a:r>
+            <a:r>
+              <a:rPr lang="en"/>
+              <a:t>dissatisfied</a:t>
+            </a:r>
+            <a:r>
+              <a:rPr lang="en"/>
+              <a:t>, 3 if neither satisfied nor dissatisfied, 4 if slightly </a:t>
+            </a:r>
+            <a:r>
+              <a:rPr lang="en"/>
+              <a:t>satisfied</a:t>
+            </a:r>
+            <a:r>
+              <a:rPr lang="en"/>
+              <a:t>, 5 if highly satisfied.  </a:t>
+            </a:r>
+            <a:endParaRPr/>
+          </a:p>
+          <a:p>
+            <a:pPr indent="0" lvl="0" marL="0" rtl="0" algn="l">
+              <a:spcBef>
+                <a:spcPts val="1200"/>
+              </a:spcBef>
+              <a:spcAft>
+                <a:spcPts val="0"/>
+              </a:spcAft>
+              <a:buNone/>
+            </a:pPr>
+            <a:r>
+              <a:rPr lang="en"/>
+              <a:t>OLS assumptions are violated (</a:t>
+            </a:r>
+            <a:r>
+              <a:rPr lang="en"/>
+              <a:t>heteroskedasticity</a:t>
+            </a:r>
+            <a:r>
+              <a:rPr lang="en"/>
+              <a:t> &amp; interval / ratio scale)</a:t>
+            </a:r>
+            <a:endParaRPr/>
+          </a:p>
+          <a:p>
+            <a:pPr indent="0" lvl="0" marL="0" rtl="0" algn="l">
+              <a:spcBef>
+                <a:spcPts val="1200"/>
+              </a:spcBef>
+              <a:spcAft>
+                <a:spcPts val="0"/>
+              </a:spcAft>
+              <a:buNone/>
+            </a:pPr>
+            <a:r>
+              <a:rPr lang="en"/>
+              <a:t>Complications: </a:t>
+            </a:r>
+            <a:endParaRPr/>
+          </a:p>
+          <a:p>
+            <a:pPr indent="0" lvl="0" marL="0" rtl="0" algn="l">
+              <a:spcBef>
+                <a:spcPts val="1200"/>
+              </a:spcBef>
+              <a:spcAft>
+                <a:spcPts val="0"/>
+              </a:spcAft>
+              <a:buNone/>
+            </a:pPr>
+            <a:r>
+              <a:rPr lang="en"/>
+              <a:t>Proportional odds required - differences between categories must be equal / interpreted as equal </a:t>
+            </a:r>
+            <a:endParaRPr/>
+          </a:p>
+          <a:p>
+            <a:pPr indent="0" lvl="0" marL="0" rtl="0" algn="l">
+              <a:spcBef>
+                <a:spcPts val="1200"/>
+              </a:spcBef>
+              <a:spcAft>
+                <a:spcPts val="1200"/>
+              </a:spcAft>
+              <a:buNone/>
+            </a:pPr>
+            <a:r>
+              <a:rPr lang="en"/>
+              <a:t>Slightly more complicated interpretation</a:t>
+            </a:r>
+            <a:endParaRPr/>
+          </a:p>
+        </p:txBody>
+      </p:sp>
+    </p:spTree>
+  </p:cSld>
+  <p:clrMapOvr>
+    <a:masterClrMapping/>
+  </p:clrMapOvr>
+</p:sld>
+</file>
+
 <file path=ppt/slides/slide3.xml><?xml version="1.0" encoding="utf-8"?>
 <p:sld xmlns:a="http://schemas.openxmlformats.org/drawingml/2006/main" xmlns:r="http://schemas.openxmlformats.org/officeDocument/2006/relationships" xmlns:mc="http://schemas.openxmlformats.org/markup-compatibility/2006" xmlns:mv="urn:schemas-microsoft-com:mac:vml" xmlns:p="http://schemas.openxmlformats.org/presentationml/2006/main" xmlns:c="http://schemas.openxmlformats.org/drawingml/2006/chart" xmlns:dgm="http://schemas.openxmlformats.org/drawingml/2006/diagram" xmlns:o="urn:schemas-microsoft-com:office:office" xmlns:v="urn:schemas-microsoft-com:vml" xmlns:pvml="urn:schemas-microsoft-com:office:powerpoint" xmlns:com="http://schemas.openxmlformats.org/drawingml/2006/compatibility" xmlns:p14="http://schemas.microsoft.com/office/powerpoint/2010/main" xmlns:p15="http://schemas.microsoft.com/office/powerpoint/2012/main" xmlns:ahyp="http://schemas.microsoft.com/office/drawing/2018/hyperlinkcolor">
   <p:cSld>
@@ -14716,7 +15025,7 @@
             <a:tbl>
               <a:tblPr>
                 <a:noFill/>
-                <a:tableStyleId>{672A076E-D298-4484-919D-19D89BF17A90}</a:tableStyleId>
+                <a:tableStyleId>{ACD02343-28EE-4729-9CA3-A3004B5C1CF3}</a:tableStyleId>
               </a:tblPr>
               <a:tblGrid>
                 <a:gridCol w="1387625"/>
@@ -15509,7 +15818,7 @@
             <a:tbl>
               <a:tblPr>
                 <a:noFill/>
-                <a:tableStyleId>{672A076E-D298-4484-919D-19D89BF17A90}</a:tableStyleId>
+                <a:tableStyleId>{ACD02343-28EE-4729-9CA3-A3004B5C1CF3}</a:tableStyleId>
               </a:tblPr>
               <a:tblGrid>
                 <a:gridCol w="1387625"/>
